--- a/julia/Julia-intro.pptx
+++ b/julia/Julia-intro.pptx
@@ -123,6 +123,22 @@
       </a:defRPr>
     </a:lvl9pPr>
   </p:defaultTextStyle>
+  <p:extLst>
+    <p:ext uri="{EFAFB233-063F-42B5-8137-9DF3F51BA10A}">
+      <p15:sldGuideLst xmlns:p15="http://schemas.microsoft.com/office/powerpoint/2012/main">
+        <p15:guide id="1" orient="horz" pos="2160">
+          <p15:clr>
+            <a:srgbClr val="A4A3A4"/>
+          </p15:clr>
+        </p15:guide>
+        <p15:guide id="2" pos="2880">
+          <p15:clr>
+            <a:srgbClr val="A4A3A4"/>
+          </p15:clr>
+        </p15:guide>
+      </p15:sldGuideLst>
+    </p:ext>
+  </p:extLst>
 </p:presentation>
 </file>
 
@@ -208,7 +224,7 @@
           <a:p>
             <a:fld id="{1F1F7F9C-49D3-454E-9B8D-9A9D1603A87C}" type="datetimeFigureOut">
               <a:rPr lang="en-US" smtClean="0"/>
-              <a:t>2/8/17</a:t>
+              <a:t>9/11/17</a:t>
             </a:fld>
             <a:endParaRPr lang="en-US"/>
           </a:p>
@@ -741,7 +757,7 @@
           <a:p>
             <a:fld id="{09D0395C-8A5B-CA45-A966-25AB2CC68A80}" type="datetimeFigureOut">
               <a:rPr lang="en-US" smtClean="0"/>
-              <a:t>2/8/17</a:t>
+              <a:t>9/11/17</a:t>
             </a:fld>
             <a:endParaRPr lang="en-US"/>
           </a:p>
@@ -911,7 +927,7 @@
           <a:p>
             <a:fld id="{09D0395C-8A5B-CA45-A966-25AB2CC68A80}" type="datetimeFigureOut">
               <a:rPr lang="en-US" smtClean="0"/>
-              <a:t>2/8/17</a:t>
+              <a:t>9/11/17</a:t>
             </a:fld>
             <a:endParaRPr lang="en-US"/>
           </a:p>
@@ -1091,7 +1107,7 @@
           <a:p>
             <a:fld id="{09D0395C-8A5B-CA45-A966-25AB2CC68A80}" type="datetimeFigureOut">
               <a:rPr lang="en-US" smtClean="0"/>
-              <a:t>2/8/17</a:t>
+              <a:t>9/11/17</a:t>
             </a:fld>
             <a:endParaRPr lang="en-US"/>
           </a:p>
@@ -1261,7 +1277,7 @@
           <a:p>
             <a:fld id="{09D0395C-8A5B-CA45-A966-25AB2CC68A80}" type="datetimeFigureOut">
               <a:rPr lang="en-US" smtClean="0"/>
-              <a:t>2/8/17</a:t>
+              <a:t>9/11/17</a:t>
             </a:fld>
             <a:endParaRPr lang="en-US"/>
           </a:p>
@@ -1507,7 +1523,7 @@
           <a:p>
             <a:fld id="{09D0395C-8A5B-CA45-A966-25AB2CC68A80}" type="datetimeFigureOut">
               <a:rPr lang="en-US" smtClean="0"/>
-              <a:t>2/8/17</a:t>
+              <a:t>9/11/17</a:t>
             </a:fld>
             <a:endParaRPr lang="en-US"/>
           </a:p>
@@ -1795,7 +1811,7 @@
           <a:p>
             <a:fld id="{09D0395C-8A5B-CA45-A966-25AB2CC68A80}" type="datetimeFigureOut">
               <a:rPr lang="en-US" smtClean="0"/>
-              <a:t>2/8/17</a:t>
+              <a:t>9/11/17</a:t>
             </a:fld>
             <a:endParaRPr lang="en-US"/>
           </a:p>
@@ -2217,7 +2233,7 @@
           <a:p>
             <a:fld id="{09D0395C-8A5B-CA45-A966-25AB2CC68A80}" type="datetimeFigureOut">
               <a:rPr lang="en-US" smtClean="0"/>
-              <a:t>2/8/17</a:t>
+              <a:t>9/11/17</a:t>
             </a:fld>
             <a:endParaRPr lang="en-US"/>
           </a:p>
@@ -2335,7 +2351,7 @@
           <a:p>
             <a:fld id="{09D0395C-8A5B-CA45-A966-25AB2CC68A80}" type="datetimeFigureOut">
               <a:rPr lang="en-US" smtClean="0"/>
-              <a:t>2/8/17</a:t>
+              <a:t>9/11/17</a:t>
             </a:fld>
             <a:endParaRPr lang="en-US"/>
           </a:p>
@@ -2430,7 +2446,7 @@
           <a:p>
             <a:fld id="{09D0395C-8A5B-CA45-A966-25AB2CC68A80}" type="datetimeFigureOut">
               <a:rPr lang="en-US" smtClean="0"/>
-              <a:t>2/8/17</a:t>
+              <a:t>9/11/17</a:t>
             </a:fld>
             <a:endParaRPr lang="en-US"/>
           </a:p>
@@ -2707,7 +2723,7 @@
           <a:p>
             <a:fld id="{09D0395C-8A5B-CA45-A966-25AB2CC68A80}" type="datetimeFigureOut">
               <a:rPr lang="en-US" smtClean="0"/>
-              <a:t>2/8/17</a:t>
+              <a:t>9/11/17</a:t>
             </a:fld>
             <a:endParaRPr lang="en-US"/>
           </a:p>
@@ -2960,7 +2976,7 @@
           <a:p>
             <a:fld id="{09D0395C-8A5B-CA45-A966-25AB2CC68A80}" type="datetimeFigureOut">
               <a:rPr lang="en-US" smtClean="0"/>
-              <a:t>2/8/17</a:t>
+              <a:t>9/11/17</a:t>
             </a:fld>
             <a:endParaRPr lang="en-US"/>
           </a:p>
@@ -3173,7 +3189,7 @@
           <a:p>
             <a:fld id="{09D0395C-8A5B-CA45-A966-25AB2CC68A80}" type="datetimeFigureOut">
               <a:rPr lang="en-US" smtClean="0"/>
-              <a:t>2/8/17</a:t>
+              <a:t>9/11/17</a:t>
             </a:fld>
             <a:endParaRPr lang="en-US"/>
           </a:p>
@@ -3616,7 +3632,7 @@
                   </a:schemeClr>
                 </a:solidFill>
               </a:rPr>
-              <a:t>(Spring </a:t>
+              <a:t>(Fall 2017</a:t>
             </a:r>
             <a:r>
               <a:rPr lang="en-US" sz="2800" dirty="0" smtClean="0">
@@ -3626,7 +3642,7 @@
                   </a:schemeClr>
                 </a:solidFill>
               </a:rPr>
-              <a:t>2017)</a:t>
+              <a:t>)</a:t>
             </a:r>
             <a:endParaRPr lang="en-US" sz="2800" dirty="0">
               <a:solidFill>
@@ -3683,31 +3699,7 @@
                   <a:schemeClr val="tx1"/>
                 </a:solidFill>
               </a:rPr>
-              <a:t>18.06, 18.303</a:t>
-            </a:r>
-            <a:r>
-              <a:rPr lang="en-US" dirty="0" smtClean="0">
-                <a:solidFill>
-                  <a:schemeClr val="tx1"/>
-                </a:solidFill>
-              </a:rPr>
-              <a:t>, 18.330, </a:t>
-            </a:r>
-            <a:r>
-              <a:rPr lang="en-US" dirty="0" smtClean="0">
-                <a:solidFill>
-                  <a:schemeClr val="tx1"/>
-                </a:solidFill>
-              </a:rPr>
-              <a:t>18.08</a:t>
-            </a:r>
-            <a:r>
-              <a:rPr lang="en-US" dirty="0" smtClean="0">
-                <a:solidFill>
-                  <a:schemeClr val="tx1"/>
-                </a:solidFill>
-              </a:rPr>
-              <a:t>[56],</a:t>
+              <a:t>18.06, 18.303, 18.330, 18.08[56],</a:t>
             </a:r>
           </a:p>
           <a:p>
@@ -4318,7 +4310,7 @@
   <p:timing>
     <p:tnLst>
       <p:par>
-        <p:cTn xmlns:p14="http://schemas.microsoft.com/office/powerpoint/2010/main" id="1" dur="indefinite" restart="never" nodeType="tmRoot"/>
+        <p:cTn id="1" dur="indefinite" restart="never" nodeType="tmRoot"/>
       </p:par>
     </p:tnLst>
   </p:timing>
@@ -4681,7 +4673,7 @@
   <p:timing>
     <p:tnLst>
       <p:par>
-        <p:cTn xmlns:p14="http://schemas.microsoft.com/office/powerpoint/2010/main" id="1" dur="indefinite" restart="never" nodeType="tmRoot"/>
+        <p:cTn id="1" dur="indefinite" restart="never" nodeType="tmRoot"/>
       </p:par>
     </p:tnLst>
   </p:timing>
@@ -4909,7 +4901,7 @@
   <p:timing>
     <p:tnLst>
       <p:par>
-        <p:cTn xmlns:p14="http://schemas.microsoft.com/office/powerpoint/2010/main" id="1" dur="indefinite" restart="never" nodeType="tmRoot"/>
+        <p:cTn id="1" dur="indefinite" restart="never" nodeType="tmRoot"/>
       </p:par>
     </p:tnLst>
   </p:timing>
@@ -5164,7 +5156,7 @@
   <p:timing>
     <p:tnLst>
       <p:par>
-        <p:cTn xmlns:p14="http://schemas.microsoft.com/office/powerpoint/2010/main" id="1" dur="indefinite" restart="never" nodeType="tmRoot"/>
+        <p:cTn id="1" dur="indefinite" restart="never" nodeType="tmRoot"/>
       </p:par>
     </p:tnLst>
   </p:timing>
@@ -5332,7 +5324,7 @@
   <p:timing>
     <p:tnLst>
       <p:par>
-        <p:cTn xmlns:p14="http://schemas.microsoft.com/office/powerpoint/2010/main" id="1" dur="indefinite" restart="never" nodeType="tmRoot"/>
+        <p:cTn id="1" dur="indefinite" restart="never" nodeType="tmRoot"/>
       </p:par>
     </p:tnLst>
   </p:timing>
@@ -5465,7 +5457,7 @@
   <p:timing>
     <p:tnLst>
       <p:par>
-        <p:cTn xmlns:p14="http://schemas.microsoft.com/office/powerpoint/2010/main" id="1" dur="indefinite" restart="never" nodeType="tmRoot"/>
+        <p:cTn id="1" dur="indefinite" restart="never" nodeType="tmRoot"/>
       </p:par>
     </p:tnLst>
   </p:timing>
@@ -5522,7 +5514,7 @@
         <p:spPr>
           <a:xfrm>
             <a:off x="2023258" y="6280874"/>
-            <a:ext cx="1520068" cy="369332"/>
+            <a:ext cx="1446678" cy="369332"/>
           </a:xfrm>
           <a:prstGeom prst="rect">
             <a:avLst/>
@@ -5541,10 +5533,10 @@
             </a:r>
             <a:r>
               <a:rPr lang="en-US" dirty="0" err="1" smtClean="0"/>
-              <a:t>ipython.org</a:t>
-            </a:r>
-            <a:r>
-              <a:rPr lang="en-US" dirty="0"/>
+              <a:t>jupyter.org</a:t>
+            </a:r>
+            <a:r>
+              <a:rPr lang="en-US" dirty="0" smtClean="0"/>
               <a:t> </a:t>
             </a:r>
             <a:r>
@@ -5555,30 +5547,6 @@
           </a:p>
         </p:txBody>
       </p:sp>
-      <p:pic>
-        <p:nvPicPr>
-          <p:cNvPr id="5" name="Picture 4"/>
-          <p:cNvPicPr>
-            <a:picLocks noChangeAspect="1"/>
-          </p:cNvPicPr>
-          <p:nvPr/>
-        </p:nvPicPr>
-        <p:blipFill>
-          <a:blip r:embed="rId3"/>
-          <a:stretch>
-            <a:fillRect/>
-          </a:stretch>
-        </p:blipFill>
-        <p:spPr>
-          <a:xfrm>
-            <a:off x="2298949" y="2651149"/>
-            <a:ext cx="1791231" cy="662756"/>
-          </a:xfrm>
-          <a:prstGeom prst="rect">
-            <a:avLst/>
-          </a:prstGeom>
-        </p:spPr>
-      </p:pic>
       <p:sp>
         <p:nvSpPr>
           <p:cNvPr id="6" name="TextBox 5"/>
@@ -5819,7 +5787,7 @@
         <p:spPr>
           <a:xfrm>
             <a:off x="1391362" y="1302031"/>
-            <a:ext cx="6154750" cy="830997"/>
+            <a:ext cx="7533857" cy="830997"/>
           </a:xfrm>
           <a:prstGeom prst="rect">
             <a:avLst/>
@@ -5888,12 +5856,40 @@
             </a:r>
             <a:r>
               <a:rPr lang="en-US" sz="2400" dirty="0" smtClean="0"/>
-              <a:t> package)</a:t>
+              <a:t> package</a:t>
+            </a:r>
+            <a:r>
+              <a:rPr lang="en-US" sz="2400" dirty="0" smtClean="0"/>
+              <a:t>), and also…</a:t>
             </a:r>
             <a:endParaRPr lang="en-US" sz="2400" dirty="0"/>
           </a:p>
         </p:txBody>
       </p:sp>
+      <p:pic>
+        <p:nvPicPr>
+          <p:cNvPr id="2" name="Picture 1"/>
+          <p:cNvPicPr>
+            <a:picLocks noChangeAspect="1"/>
+          </p:cNvPicPr>
+          <p:nvPr/>
+        </p:nvPicPr>
+        <p:blipFill>
+          <a:blip r:embed="rId3"/>
+          <a:stretch>
+            <a:fillRect/>
+          </a:stretch>
+        </p:blipFill>
+        <p:spPr>
+          <a:xfrm>
+            <a:off x="1181224" y="2240353"/>
+            <a:ext cx="3145144" cy="1317845"/>
+          </a:xfrm>
+          <a:prstGeom prst="rect">
+            <a:avLst/>
+          </a:prstGeom>
+        </p:spPr>
+      </p:pic>
     </p:spTree>
     <p:extLst>
       <p:ext uri="{BB962C8B-B14F-4D97-AF65-F5344CB8AC3E}">
@@ -5907,7 +5903,7 @@
   <p:timing>
     <p:tnLst>
       <p:par>
-        <p:cTn xmlns:p14="http://schemas.microsoft.com/office/powerpoint/2010/main" id="1" dur="indefinite" restart="never" nodeType="tmRoot"/>
+        <p:cTn id="1" dur="indefinite" restart="never" nodeType="tmRoot"/>
       </p:par>
     </p:tnLst>
   </p:timing>
@@ -6100,7 +6096,7 @@
   <p:timing>
     <p:tnLst>
       <p:par>
-        <p:cTn xmlns:p14="http://schemas.microsoft.com/office/powerpoint/2010/main" id="1" dur="indefinite" restart="never" nodeType="tmRoot"/>
+        <p:cTn id="1" dur="indefinite" restart="never" nodeType="tmRoot"/>
       </p:par>
     </p:tnLst>
   </p:timing>
@@ -6960,8 +6956,8 @@
         </p:nvSpPr>
         <p:spPr>
           <a:xfrm>
-            <a:off x="4676611" y="4045691"/>
-            <a:ext cx="4186926" cy="646331"/>
+            <a:off x="4674917" y="4045691"/>
+            <a:ext cx="4190314" cy="646331"/>
           </a:xfrm>
           <a:prstGeom prst="rect">
             <a:avLst/>
@@ -6977,11 +6973,19 @@
             <a:pPr algn="ctr"/>
             <a:r>
               <a:rPr lang="en-US" dirty="0" smtClean="0"/>
-              <a:t>[begun 2009, “0.1” in 2013, ~</a:t>
+              <a:t>[begun 2009, “0.1” in 2013, </a:t>
             </a:r>
             <a:r>
               <a:rPr lang="en-US" dirty="0" smtClean="0"/>
-              <a:t>35k </a:t>
+              <a:t>~</a:t>
+            </a:r>
+            <a:r>
+              <a:rPr lang="en-US" dirty="0" smtClean="0"/>
+              <a:t>40</a:t>
+            </a:r>
+            <a:r>
+              <a:rPr lang="en-US" dirty="0" smtClean="0"/>
+              <a:t>k </a:t>
             </a:r>
             <a:r>
               <a:rPr lang="en-US" dirty="0" smtClean="0"/>
@@ -6996,15 +7000,15 @@
             </a:r>
             <a:r>
               <a:rPr lang="en-US" dirty="0" smtClean="0"/>
-              <a:t>0.5” </a:t>
+              <a:t>0.6” </a:t>
             </a:r>
             <a:r>
               <a:rPr lang="en-US" dirty="0" smtClean="0"/>
-              <a:t>release in Fall </a:t>
+              <a:t>release in </a:t>
             </a:r>
             <a:r>
               <a:rPr lang="en-US" dirty="0" smtClean="0"/>
-              <a:t>2016 </a:t>
+              <a:t>June 2017 </a:t>
             </a:r>
             <a:r>
               <a:rPr lang="en-US" dirty="0" smtClean="0"/>
@@ -7230,7 +7234,7 @@
                   <a:srgbClr val="0000FF"/>
                 </a:solidFill>
               </a:rPr>
-              <a:t>1000+ </a:t>
+              <a:t>1000+ external packages, </a:t>
             </a:r>
             <a:r>
               <a:rPr lang="en-US" dirty="0" smtClean="0">
@@ -7238,7 +7242,15 @@
                   <a:srgbClr val="0000FF"/>
                 </a:solidFill>
               </a:rPr>
-              <a:t>external packages, </a:t>
+              <a:t>4</a:t>
+            </a:r>
+            <a:r>
+              <a:rPr lang="en-US" baseline="30000" dirty="0" smtClean="0">
+                <a:solidFill>
+                  <a:srgbClr val="0000FF"/>
+                </a:solidFill>
+              </a:rPr>
+              <a:t>th</a:t>
             </a:r>
             <a:r>
               <a:rPr lang="en-US" dirty="0" smtClean="0">
@@ -7246,15 +7258,15 @@
                   <a:srgbClr val="0000FF"/>
                 </a:solidFill>
               </a:rPr>
-              <a:t>3</a:t>
-            </a:r>
-            <a:r>
-              <a:rPr lang="en-US" baseline="30000" dirty="0" smtClean="0">
+              <a:t> </a:t>
+            </a:r>
+            <a:r>
+              <a:rPr lang="en-US" dirty="0" err="1" smtClean="0">
                 <a:solidFill>
                   <a:srgbClr val="0000FF"/>
                 </a:solidFill>
               </a:rPr>
-              <a:t>rd</a:t>
+              <a:t>JuliaCon</a:t>
             </a:r>
             <a:r>
               <a:rPr lang="en-US" dirty="0" smtClean="0">
@@ -7262,31 +7274,15 @@
                   <a:srgbClr val="0000FF"/>
                 </a:solidFill>
               </a:rPr>
-              <a:t> </a:t>
-            </a:r>
-            <a:r>
-              <a:rPr lang="en-US" dirty="0" err="1" smtClean="0">
+              <a:t> in </a:t>
+            </a:r>
+            <a:r>
+              <a:rPr lang="en-US" dirty="0" smtClean="0">
                 <a:solidFill>
                   <a:srgbClr val="0000FF"/>
                 </a:solidFill>
               </a:rPr>
-              <a:t>JuliaCon</a:t>
-            </a:r>
-            <a:r>
-              <a:rPr lang="en-US" dirty="0" smtClean="0">
-                <a:solidFill>
-                  <a:srgbClr val="0000FF"/>
-                </a:solidFill>
-              </a:rPr>
-              <a:t> in </a:t>
-            </a:r>
-            <a:r>
-              <a:rPr lang="en-US" dirty="0" smtClean="0">
-                <a:solidFill>
-                  <a:srgbClr val="0000FF"/>
-                </a:solidFill>
-              </a:rPr>
-              <a:t>2016 </a:t>
+              <a:t>2017 </a:t>
             </a:r>
             <a:r>
               <a:rPr lang="en-US" dirty="0" smtClean="0">
@@ -7479,7 +7475,7 @@
   <p:timing>
     <p:tnLst>
       <p:par>
-        <p:cTn xmlns:p14="http://schemas.microsoft.com/office/powerpoint/2010/main" id="1" dur="indefinite" restart="never" nodeType="tmRoot"/>
+        <p:cTn id="1" dur="indefinite" restart="never" nodeType="tmRoot"/>
       </p:par>
     </p:tnLst>
   </p:timing>
@@ -7642,7 +7638,7 @@
   <p:timing>
     <p:tnLst>
       <p:par>
-        <p:cTn xmlns:p14="http://schemas.microsoft.com/office/powerpoint/2010/main" id="1" dur="indefinite" restart="never" nodeType="tmRoot"/>
+        <p:cTn id="1" dur="indefinite" restart="never" nodeType="tmRoot"/>
       </p:par>
     </p:tnLst>
   </p:timing>
@@ -7678,7 +7674,7 @@
         </p:nvSpPr>
         <p:spPr>
           <a:xfrm>
-            <a:off x="457200" y="181430"/>
+            <a:off x="457200" y="48698"/>
             <a:ext cx="8229600" cy="1143000"/>
           </a:xfrm>
         </p:spPr>
@@ -7702,7 +7698,7 @@
         </p:nvSpPr>
         <p:spPr>
           <a:xfrm>
-            <a:off x="805113" y="1267730"/>
+            <a:off x="805113" y="1134998"/>
             <a:ext cx="7609776" cy="646331"/>
           </a:xfrm>
           <a:prstGeom prst="rect">
@@ -7766,7 +7762,7 @@
         </p:nvSpPr>
         <p:spPr>
           <a:xfrm>
-            <a:off x="-37273" y="2141498"/>
+            <a:off x="-37273" y="2008766"/>
             <a:ext cx="9291426" cy="830997"/>
           </a:xfrm>
           <a:prstGeom prst="rect">
@@ -7828,7 +7824,7 @@
         </p:nvSpPr>
         <p:spPr>
           <a:xfrm>
-            <a:off x="241886" y="3180686"/>
+            <a:off x="241886" y="3047954"/>
             <a:ext cx="8640857" cy="1015663"/>
           </a:xfrm>
           <a:prstGeom prst="rect">
@@ -7974,7 +7970,7 @@
         </p:nvSpPr>
         <p:spPr>
           <a:xfrm>
-            <a:off x="241886" y="3985542"/>
+            <a:off x="241886" y="3852810"/>
             <a:ext cx="7983400" cy="1323439"/>
           </a:xfrm>
           <a:prstGeom prst="rect">
@@ -8140,8 +8136,8 @@
         </p:nvSpPr>
         <p:spPr>
           <a:xfrm>
-            <a:off x="136355" y="5263287"/>
-            <a:ext cx="8862908" cy="1384995"/>
+            <a:off x="136355" y="5012571"/>
+            <a:ext cx="8862908" cy="1815882"/>
           </a:xfrm>
           <a:prstGeom prst="rect">
             <a:avLst/>
@@ -8201,24 +8197,51 @@
               <a:t>/</a:t>
             </a:r>
             <a:r>
+              <a:rPr lang="en-US" sz="2800" dirty="0" err="1" smtClean="0">
+                <a:solidFill>
+                  <a:srgbClr val="0000FF"/>
+                </a:solidFill>
+              </a:rPr>
+              <a:t>codegen</a:t>
+            </a:r>
+            <a:r>
               <a:rPr lang="en-US" sz="2800" dirty="0" smtClean="0">
                 <a:solidFill>
                   <a:srgbClr val="0000FF"/>
                 </a:solidFill>
               </a:rPr>
-              <a:t>code generation</a:t>
+              <a:t> generation</a:t>
             </a:r>
             <a:r>
               <a:rPr lang="en-US" sz="2800" dirty="0" smtClean="0"/>
-              <a:t>] that are </a:t>
-            </a:r>
+              <a:t>] </a:t>
+            </a:r>
+            <a:r>
+              <a:rPr lang="en-US" sz="2800" dirty="0" smtClean="0"/>
+              <a:t>that </a:t>
+            </a:r>
+            <a:r>
+              <a:rPr lang="en-US" sz="2800" dirty="0" smtClean="0"/>
+              <a:t>are</a:t>
+            </a:r>
+          </a:p>
+          <a:p>
+            <a:pPr algn="ctr"/>
             <a:r>
               <a:rPr lang="en-US" sz="2800" dirty="0" smtClean="0">
                 <a:solidFill>
                   <a:srgbClr val="0000FF"/>
                 </a:solidFill>
               </a:rPr>
-              <a:t>hard in a low-level language</a:t>
+              <a:t>hard in a </a:t>
+            </a:r>
+            <a:r>
+              <a:rPr lang="en-US" sz="2800" dirty="0" smtClean="0">
+                <a:solidFill>
+                  <a:srgbClr val="0000FF"/>
+                </a:solidFill>
+              </a:rPr>
+              <a:t>low-level language</a:t>
             </a:r>
             <a:r>
               <a:rPr lang="en-US" sz="2800" dirty="0" smtClean="0"/>
@@ -8241,7 +8264,7 @@
   <p:timing>
     <p:tnLst>
       <p:par>
-        <p:cTn xmlns:p14="http://schemas.microsoft.com/office/powerpoint/2010/main" id="1" dur="indefinite" restart="never" nodeType="tmRoot">
+        <p:cTn id="1" dur="indefinite" restart="never" nodeType="tmRoot">
           <p:childTnLst>
             <p:seq concurrent="1" nextAc="seek">
               <p:cTn id="2" dur="indefinite" nodeType="mainSeq">
@@ -8769,7 +8792,7 @@
   <p:timing>
     <p:tnLst>
       <p:par>
-        <p:cTn xmlns:p14="http://schemas.microsoft.com/office/powerpoint/2010/main" id="1" dur="indefinite" restart="never" nodeType="tmRoot"/>
+        <p:cTn id="1" dur="indefinite" restart="never" nodeType="tmRoot"/>
       </p:par>
     </p:tnLst>
   </p:timing>
@@ -9209,7 +9232,7 @@
   <p:timing>
     <p:tnLst>
       <p:par>
-        <p:cTn xmlns:p14="http://schemas.microsoft.com/office/powerpoint/2010/main" id="1" dur="indefinite" restart="never" nodeType="tmRoot"/>
+        <p:cTn id="1" dur="indefinite" restart="never" nodeType="tmRoot"/>
       </p:par>
     </p:tnLst>
   </p:timing>

--- a/julia/Julia-intro.pptx
+++ b/julia/Julia-intro.pptx
@@ -224,7 +224,7 @@
           <a:p>
             <a:fld id="{1F1F7F9C-49D3-454E-9B8D-9A9D1603A87C}" type="datetimeFigureOut">
               <a:rPr lang="en-US" smtClean="0"/>
-              <a:t>9/11/17</a:t>
+              <a:t>9/7/18</a:t>
             </a:fld>
             <a:endParaRPr lang="en-US"/>
           </a:p>
@@ -288,38 +288,37 @@
           <a:p>
             <a:pPr lvl="0"/>
             <a:r>
-              <a:rPr lang="en-US" smtClean="0"/>
+              <a:rPr lang="en-US"/>
               <a:t>Click to edit Master text styles</a:t>
             </a:r>
           </a:p>
           <a:p>
             <a:pPr lvl="1"/>
             <a:r>
-              <a:rPr lang="en-US" smtClean="0"/>
+              <a:rPr lang="en-US"/>
               <a:t>Second level</a:t>
             </a:r>
           </a:p>
           <a:p>
             <a:pPr lvl="2"/>
             <a:r>
-              <a:rPr lang="en-US" smtClean="0"/>
+              <a:rPr lang="en-US"/>
               <a:t>Third level</a:t>
             </a:r>
           </a:p>
           <a:p>
             <a:pPr lvl="3"/>
             <a:r>
-              <a:rPr lang="en-US" smtClean="0"/>
+              <a:rPr lang="en-US"/>
               <a:t>Fourth level</a:t>
             </a:r>
           </a:p>
           <a:p>
             <a:pPr lvl="4"/>
             <a:r>
-              <a:rPr lang="en-US" smtClean="0"/>
+              <a:rPr lang="en-US"/>
               <a:t>Fifth level</a:t>
             </a:r>
-            <a:endParaRPr lang="en-US"/>
           </a:p>
         </p:txBody>
       </p:sp>
@@ -614,10 +613,9 @@
           <a:lstStyle/>
           <a:p>
             <a:r>
-              <a:rPr lang="en-US" smtClean="0"/>
+              <a:rPr lang="en-US"/>
               <a:t>Click to edit Master title style</a:t>
             </a:r>
-            <a:endParaRPr lang="en-US"/>
           </a:p>
         </p:txBody>
       </p:sp>
@@ -733,10 +731,9 @@
           </a:lstStyle>
           <a:p>
             <a:r>
-              <a:rPr lang="en-US" smtClean="0"/>
+              <a:rPr lang="en-US"/>
               <a:t>Click to edit Master subtitle style</a:t>
             </a:r>
-            <a:endParaRPr lang="en-US"/>
           </a:p>
         </p:txBody>
       </p:sp>
@@ -757,7 +754,7 @@
           <a:p>
             <a:fld id="{09D0395C-8A5B-CA45-A966-25AB2CC68A80}" type="datetimeFigureOut">
               <a:rPr lang="en-US" smtClean="0"/>
-              <a:t>9/11/17</a:t>
+              <a:t>9/7/18</a:t>
             </a:fld>
             <a:endParaRPr lang="en-US"/>
           </a:p>
@@ -851,10 +848,9 @@
           <a:lstStyle/>
           <a:p>
             <a:r>
-              <a:rPr lang="en-US" smtClean="0"/>
+              <a:rPr lang="en-US"/>
               <a:t>Click to edit Master title style</a:t>
             </a:r>
-            <a:endParaRPr lang="en-US"/>
           </a:p>
         </p:txBody>
       </p:sp>
@@ -875,38 +871,37 @@
           <a:p>
             <a:pPr lvl="0"/>
             <a:r>
-              <a:rPr lang="en-US" smtClean="0"/>
+              <a:rPr lang="en-US"/>
               <a:t>Click to edit Master text styles</a:t>
             </a:r>
           </a:p>
           <a:p>
             <a:pPr lvl="1"/>
             <a:r>
-              <a:rPr lang="en-US" smtClean="0"/>
+              <a:rPr lang="en-US"/>
               <a:t>Second level</a:t>
             </a:r>
           </a:p>
           <a:p>
             <a:pPr lvl="2"/>
             <a:r>
-              <a:rPr lang="en-US" smtClean="0"/>
+              <a:rPr lang="en-US"/>
               <a:t>Third level</a:t>
             </a:r>
           </a:p>
           <a:p>
             <a:pPr lvl="3"/>
             <a:r>
-              <a:rPr lang="en-US" smtClean="0"/>
+              <a:rPr lang="en-US"/>
               <a:t>Fourth level</a:t>
             </a:r>
           </a:p>
           <a:p>
             <a:pPr lvl="4"/>
             <a:r>
-              <a:rPr lang="en-US" smtClean="0"/>
+              <a:rPr lang="en-US"/>
               <a:t>Fifth level</a:t>
             </a:r>
-            <a:endParaRPr lang="en-US"/>
           </a:p>
         </p:txBody>
       </p:sp>
@@ -927,7 +922,7 @@
           <a:p>
             <a:fld id="{09D0395C-8A5B-CA45-A966-25AB2CC68A80}" type="datetimeFigureOut">
               <a:rPr lang="en-US" smtClean="0"/>
-              <a:t>9/11/17</a:t>
+              <a:t>9/7/18</a:t>
             </a:fld>
             <a:endParaRPr lang="en-US"/>
           </a:p>
@@ -1026,10 +1021,9 @@
           <a:lstStyle/>
           <a:p>
             <a:r>
-              <a:rPr lang="en-US" smtClean="0"/>
+              <a:rPr lang="en-US"/>
               <a:t>Click to edit Master title style</a:t>
             </a:r>
-            <a:endParaRPr lang="en-US"/>
           </a:p>
         </p:txBody>
       </p:sp>
@@ -1055,38 +1049,37 @@
           <a:p>
             <a:pPr lvl="0"/>
             <a:r>
-              <a:rPr lang="en-US" smtClean="0"/>
+              <a:rPr lang="en-US"/>
               <a:t>Click to edit Master text styles</a:t>
             </a:r>
           </a:p>
           <a:p>
             <a:pPr lvl="1"/>
             <a:r>
-              <a:rPr lang="en-US" smtClean="0"/>
+              <a:rPr lang="en-US"/>
               <a:t>Second level</a:t>
             </a:r>
           </a:p>
           <a:p>
             <a:pPr lvl="2"/>
             <a:r>
-              <a:rPr lang="en-US" smtClean="0"/>
+              <a:rPr lang="en-US"/>
               <a:t>Third level</a:t>
             </a:r>
           </a:p>
           <a:p>
             <a:pPr lvl="3"/>
             <a:r>
-              <a:rPr lang="en-US" smtClean="0"/>
+              <a:rPr lang="en-US"/>
               <a:t>Fourth level</a:t>
             </a:r>
           </a:p>
           <a:p>
             <a:pPr lvl="4"/>
             <a:r>
-              <a:rPr lang="en-US" smtClean="0"/>
+              <a:rPr lang="en-US"/>
               <a:t>Fifth level</a:t>
             </a:r>
-            <a:endParaRPr lang="en-US"/>
           </a:p>
         </p:txBody>
       </p:sp>
@@ -1107,7 +1100,7 @@
           <a:p>
             <a:fld id="{09D0395C-8A5B-CA45-A966-25AB2CC68A80}" type="datetimeFigureOut">
               <a:rPr lang="en-US" smtClean="0"/>
-              <a:t>9/11/17</a:t>
+              <a:t>9/7/18</a:t>
             </a:fld>
             <a:endParaRPr lang="en-US"/>
           </a:p>
@@ -1201,10 +1194,9 @@
           <a:lstStyle/>
           <a:p>
             <a:r>
-              <a:rPr lang="en-US" smtClean="0"/>
+              <a:rPr lang="en-US"/>
               <a:t>Click to edit Master title style</a:t>
             </a:r>
-            <a:endParaRPr lang="en-US"/>
           </a:p>
         </p:txBody>
       </p:sp>
@@ -1225,38 +1217,37 @@
           <a:p>
             <a:pPr lvl="0"/>
             <a:r>
-              <a:rPr lang="en-US" smtClean="0"/>
+              <a:rPr lang="en-US"/>
               <a:t>Click to edit Master text styles</a:t>
             </a:r>
           </a:p>
           <a:p>
             <a:pPr lvl="1"/>
             <a:r>
-              <a:rPr lang="en-US" smtClean="0"/>
+              <a:rPr lang="en-US"/>
               <a:t>Second level</a:t>
             </a:r>
           </a:p>
           <a:p>
             <a:pPr lvl="2"/>
             <a:r>
-              <a:rPr lang="en-US" smtClean="0"/>
+              <a:rPr lang="en-US"/>
               <a:t>Third level</a:t>
             </a:r>
           </a:p>
           <a:p>
             <a:pPr lvl="3"/>
             <a:r>
-              <a:rPr lang="en-US" smtClean="0"/>
+              <a:rPr lang="en-US"/>
               <a:t>Fourth level</a:t>
             </a:r>
           </a:p>
           <a:p>
             <a:pPr lvl="4"/>
             <a:r>
-              <a:rPr lang="en-US" smtClean="0"/>
+              <a:rPr lang="en-US"/>
               <a:t>Fifth level</a:t>
             </a:r>
-            <a:endParaRPr lang="en-US"/>
           </a:p>
         </p:txBody>
       </p:sp>
@@ -1277,7 +1268,7 @@
           <a:p>
             <a:fld id="{09D0395C-8A5B-CA45-A966-25AB2CC68A80}" type="datetimeFigureOut">
               <a:rPr lang="en-US" smtClean="0"/>
-              <a:t>9/11/17</a:t>
+              <a:t>9/7/18</a:t>
             </a:fld>
             <a:endParaRPr lang="en-US"/>
           </a:p>
@@ -1380,10 +1371,9 @@
           </a:lstStyle>
           <a:p>
             <a:r>
-              <a:rPr lang="en-US" smtClean="0"/>
+              <a:rPr lang="en-US"/>
               <a:t>Click to edit Master title style</a:t>
             </a:r>
-            <a:endParaRPr lang="en-US"/>
           </a:p>
         </p:txBody>
       </p:sp>
@@ -1500,7 +1490,7 @@
           <a:p>
             <a:pPr lvl="0"/>
             <a:r>
-              <a:rPr lang="en-US" smtClean="0"/>
+              <a:rPr lang="en-US"/>
               <a:t>Click to edit Master text styles</a:t>
             </a:r>
           </a:p>
@@ -1523,7 +1513,7 @@
           <a:p>
             <a:fld id="{09D0395C-8A5B-CA45-A966-25AB2CC68A80}" type="datetimeFigureOut">
               <a:rPr lang="en-US" smtClean="0"/>
-              <a:t>9/11/17</a:t>
+              <a:t>9/7/18</a:t>
             </a:fld>
             <a:endParaRPr lang="en-US"/>
           </a:p>
@@ -1617,10 +1607,9 @@
           <a:lstStyle/>
           <a:p>
             <a:r>
-              <a:rPr lang="en-US" smtClean="0"/>
+              <a:rPr lang="en-US"/>
               <a:t>Click to edit Master title style</a:t>
             </a:r>
-            <a:endParaRPr lang="en-US"/>
           </a:p>
         </p:txBody>
       </p:sp>
@@ -1674,38 +1663,37 @@
           <a:p>
             <a:pPr lvl="0"/>
             <a:r>
-              <a:rPr lang="en-US" smtClean="0"/>
+              <a:rPr lang="en-US"/>
               <a:t>Click to edit Master text styles</a:t>
             </a:r>
           </a:p>
           <a:p>
             <a:pPr lvl="1"/>
             <a:r>
-              <a:rPr lang="en-US" smtClean="0"/>
+              <a:rPr lang="en-US"/>
               <a:t>Second level</a:t>
             </a:r>
           </a:p>
           <a:p>
             <a:pPr lvl="2"/>
             <a:r>
-              <a:rPr lang="en-US" smtClean="0"/>
+              <a:rPr lang="en-US"/>
               <a:t>Third level</a:t>
             </a:r>
           </a:p>
           <a:p>
             <a:pPr lvl="3"/>
             <a:r>
-              <a:rPr lang="en-US" smtClean="0"/>
+              <a:rPr lang="en-US"/>
               <a:t>Fourth level</a:t>
             </a:r>
           </a:p>
           <a:p>
             <a:pPr lvl="4"/>
             <a:r>
-              <a:rPr lang="en-US" smtClean="0"/>
+              <a:rPr lang="en-US"/>
               <a:t>Fifth level</a:t>
             </a:r>
-            <a:endParaRPr lang="en-US"/>
           </a:p>
         </p:txBody>
       </p:sp>
@@ -1759,38 +1747,37 @@
           <a:p>
             <a:pPr lvl="0"/>
             <a:r>
-              <a:rPr lang="en-US" smtClean="0"/>
+              <a:rPr lang="en-US"/>
               <a:t>Click to edit Master text styles</a:t>
             </a:r>
           </a:p>
           <a:p>
             <a:pPr lvl="1"/>
             <a:r>
-              <a:rPr lang="en-US" smtClean="0"/>
+              <a:rPr lang="en-US"/>
               <a:t>Second level</a:t>
             </a:r>
           </a:p>
           <a:p>
             <a:pPr lvl="2"/>
             <a:r>
-              <a:rPr lang="en-US" smtClean="0"/>
+              <a:rPr lang="en-US"/>
               <a:t>Third level</a:t>
             </a:r>
           </a:p>
           <a:p>
             <a:pPr lvl="3"/>
             <a:r>
-              <a:rPr lang="en-US" smtClean="0"/>
+              <a:rPr lang="en-US"/>
               <a:t>Fourth level</a:t>
             </a:r>
           </a:p>
           <a:p>
             <a:pPr lvl="4"/>
             <a:r>
-              <a:rPr lang="en-US" smtClean="0"/>
+              <a:rPr lang="en-US"/>
               <a:t>Fifth level</a:t>
             </a:r>
-            <a:endParaRPr lang="en-US"/>
           </a:p>
         </p:txBody>
       </p:sp>
@@ -1811,7 +1798,7 @@
           <a:p>
             <a:fld id="{09D0395C-8A5B-CA45-A966-25AB2CC68A80}" type="datetimeFigureOut">
               <a:rPr lang="en-US" smtClean="0"/>
-              <a:t>9/11/17</a:t>
+              <a:t>9/7/18</a:t>
             </a:fld>
             <a:endParaRPr lang="en-US"/>
           </a:p>
@@ -1909,10 +1896,9 @@
           </a:lstStyle>
           <a:p>
             <a:r>
-              <a:rPr lang="en-US" smtClean="0"/>
+              <a:rPr lang="en-US"/>
               <a:t>Click to edit Master title style</a:t>
             </a:r>
-            <a:endParaRPr lang="en-US"/>
           </a:p>
         </p:txBody>
       </p:sp>
@@ -1975,7 +1961,7 @@
           <a:p>
             <a:pPr lvl="0"/>
             <a:r>
-              <a:rPr lang="en-US" smtClean="0"/>
+              <a:rPr lang="en-US"/>
               <a:t>Click to edit Master text styles</a:t>
             </a:r>
           </a:p>
@@ -2031,38 +2017,37 @@
           <a:p>
             <a:pPr lvl="0"/>
             <a:r>
-              <a:rPr lang="en-US" smtClean="0"/>
+              <a:rPr lang="en-US"/>
               <a:t>Click to edit Master text styles</a:t>
             </a:r>
           </a:p>
           <a:p>
             <a:pPr lvl="1"/>
             <a:r>
-              <a:rPr lang="en-US" smtClean="0"/>
+              <a:rPr lang="en-US"/>
               <a:t>Second level</a:t>
             </a:r>
           </a:p>
           <a:p>
             <a:pPr lvl="2"/>
             <a:r>
-              <a:rPr lang="en-US" smtClean="0"/>
+              <a:rPr lang="en-US"/>
               <a:t>Third level</a:t>
             </a:r>
           </a:p>
           <a:p>
             <a:pPr lvl="3"/>
             <a:r>
-              <a:rPr lang="en-US" smtClean="0"/>
+              <a:rPr lang="en-US"/>
               <a:t>Fourth level</a:t>
             </a:r>
           </a:p>
           <a:p>
             <a:pPr lvl="4"/>
             <a:r>
-              <a:rPr lang="en-US" smtClean="0"/>
+              <a:rPr lang="en-US"/>
               <a:t>Fifth level</a:t>
             </a:r>
-            <a:endParaRPr lang="en-US"/>
           </a:p>
         </p:txBody>
       </p:sp>
@@ -2125,7 +2110,7 @@
           <a:p>
             <a:pPr lvl="0"/>
             <a:r>
-              <a:rPr lang="en-US" smtClean="0"/>
+              <a:rPr lang="en-US"/>
               <a:t>Click to edit Master text styles</a:t>
             </a:r>
           </a:p>
@@ -2181,38 +2166,37 @@
           <a:p>
             <a:pPr lvl="0"/>
             <a:r>
-              <a:rPr lang="en-US" smtClean="0"/>
+              <a:rPr lang="en-US"/>
               <a:t>Click to edit Master text styles</a:t>
             </a:r>
           </a:p>
           <a:p>
             <a:pPr lvl="1"/>
             <a:r>
-              <a:rPr lang="en-US" smtClean="0"/>
+              <a:rPr lang="en-US"/>
               <a:t>Second level</a:t>
             </a:r>
           </a:p>
           <a:p>
             <a:pPr lvl="2"/>
             <a:r>
-              <a:rPr lang="en-US" smtClean="0"/>
+              <a:rPr lang="en-US"/>
               <a:t>Third level</a:t>
             </a:r>
           </a:p>
           <a:p>
             <a:pPr lvl="3"/>
             <a:r>
-              <a:rPr lang="en-US" smtClean="0"/>
+              <a:rPr lang="en-US"/>
               <a:t>Fourth level</a:t>
             </a:r>
           </a:p>
           <a:p>
             <a:pPr lvl="4"/>
             <a:r>
-              <a:rPr lang="en-US" smtClean="0"/>
+              <a:rPr lang="en-US"/>
               <a:t>Fifth level</a:t>
             </a:r>
-            <a:endParaRPr lang="en-US"/>
           </a:p>
         </p:txBody>
       </p:sp>
@@ -2233,7 +2217,7 @@
           <a:p>
             <a:fld id="{09D0395C-8A5B-CA45-A966-25AB2CC68A80}" type="datetimeFigureOut">
               <a:rPr lang="en-US" smtClean="0"/>
-              <a:t>9/11/17</a:t>
+              <a:t>9/7/18</a:t>
             </a:fld>
             <a:endParaRPr lang="en-US"/>
           </a:p>
@@ -2327,10 +2311,9 @@
           <a:lstStyle/>
           <a:p>
             <a:r>
-              <a:rPr lang="en-US" smtClean="0"/>
+              <a:rPr lang="en-US"/>
               <a:t>Click to edit Master title style</a:t>
             </a:r>
-            <a:endParaRPr lang="en-US"/>
           </a:p>
         </p:txBody>
       </p:sp>
@@ -2351,7 +2334,7 @@
           <a:p>
             <a:fld id="{09D0395C-8A5B-CA45-A966-25AB2CC68A80}" type="datetimeFigureOut">
               <a:rPr lang="en-US" smtClean="0"/>
-              <a:t>9/11/17</a:t>
+              <a:t>9/7/18</a:t>
             </a:fld>
             <a:endParaRPr lang="en-US"/>
           </a:p>
@@ -2446,7 +2429,7 @@
           <a:p>
             <a:fld id="{09D0395C-8A5B-CA45-A966-25AB2CC68A80}" type="datetimeFigureOut">
               <a:rPr lang="en-US" smtClean="0"/>
-              <a:t>9/11/17</a:t>
+              <a:t>9/7/18</a:t>
             </a:fld>
             <a:endParaRPr lang="en-US"/>
           </a:p>
@@ -2549,10 +2532,9 @@
           </a:lstStyle>
           <a:p>
             <a:r>
-              <a:rPr lang="en-US" smtClean="0"/>
+              <a:rPr lang="en-US"/>
               <a:t>Click to edit Master title style</a:t>
             </a:r>
-            <a:endParaRPr lang="en-US"/>
           </a:p>
         </p:txBody>
       </p:sp>
@@ -2606,38 +2588,37 @@
           <a:p>
             <a:pPr lvl="0"/>
             <a:r>
-              <a:rPr lang="en-US" smtClean="0"/>
+              <a:rPr lang="en-US"/>
               <a:t>Click to edit Master text styles</a:t>
             </a:r>
           </a:p>
           <a:p>
             <a:pPr lvl="1"/>
             <a:r>
-              <a:rPr lang="en-US" smtClean="0"/>
+              <a:rPr lang="en-US"/>
               <a:t>Second level</a:t>
             </a:r>
           </a:p>
           <a:p>
             <a:pPr lvl="2"/>
             <a:r>
-              <a:rPr lang="en-US" smtClean="0"/>
+              <a:rPr lang="en-US"/>
               <a:t>Third level</a:t>
             </a:r>
           </a:p>
           <a:p>
             <a:pPr lvl="3"/>
             <a:r>
-              <a:rPr lang="en-US" smtClean="0"/>
+              <a:rPr lang="en-US"/>
               <a:t>Fourth level</a:t>
             </a:r>
           </a:p>
           <a:p>
             <a:pPr lvl="4"/>
             <a:r>
-              <a:rPr lang="en-US" smtClean="0"/>
+              <a:rPr lang="en-US"/>
               <a:t>Fifth level</a:t>
             </a:r>
-            <a:endParaRPr lang="en-US"/>
           </a:p>
         </p:txBody>
       </p:sp>
@@ -2700,7 +2681,7 @@
           <a:p>
             <a:pPr lvl="0"/>
             <a:r>
-              <a:rPr lang="en-US" smtClean="0"/>
+              <a:rPr lang="en-US"/>
               <a:t>Click to edit Master text styles</a:t>
             </a:r>
           </a:p>
@@ -2723,7 +2704,7 @@
           <a:p>
             <a:fld id="{09D0395C-8A5B-CA45-A966-25AB2CC68A80}" type="datetimeFigureOut">
               <a:rPr lang="en-US" smtClean="0"/>
-              <a:t>9/11/17</a:t>
+              <a:t>9/7/18</a:t>
             </a:fld>
             <a:endParaRPr lang="en-US"/>
           </a:p>
@@ -2826,10 +2807,9 @@
           </a:lstStyle>
           <a:p>
             <a:r>
-              <a:rPr lang="en-US" smtClean="0"/>
+              <a:rPr lang="en-US"/>
               <a:t>Click to edit Master title style</a:t>
             </a:r>
-            <a:endParaRPr lang="en-US"/>
           </a:p>
         </p:txBody>
       </p:sp>
@@ -2953,7 +2933,7 @@
           <a:p>
             <a:pPr lvl="0"/>
             <a:r>
-              <a:rPr lang="en-US" smtClean="0"/>
+              <a:rPr lang="en-US"/>
               <a:t>Click to edit Master text styles</a:t>
             </a:r>
           </a:p>
@@ -2976,7 +2956,7 @@
           <a:p>
             <a:fld id="{09D0395C-8A5B-CA45-A966-25AB2CC68A80}" type="datetimeFigureOut">
               <a:rPr lang="en-US" smtClean="0"/>
-              <a:t>9/11/17</a:t>
+              <a:t>9/7/18</a:t>
             </a:fld>
             <a:endParaRPr lang="en-US"/>
           </a:p>
@@ -3085,10 +3065,9 @@
           <a:lstStyle/>
           <a:p>
             <a:r>
-              <a:rPr lang="en-US" smtClean="0"/>
+              <a:rPr lang="en-US"/>
               <a:t>Click to edit Master title style</a:t>
             </a:r>
-            <a:endParaRPr lang="en-US"/>
           </a:p>
         </p:txBody>
       </p:sp>
@@ -3119,38 +3098,37 @@
           <a:p>
             <a:pPr lvl="0"/>
             <a:r>
-              <a:rPr lang="en-US" smtClean="0"/>
+              <a:rPr lang="en-US"/>
               <a:t>Click to edit Master text styles</a:t>
             </a:r>
           </a:p>
           <a:p>
             <a:pPr lvl="1"/>
             <a:r>
-              <a:rPr lang="en-US" smtClean="0"/>
+              <a:rPr lang="en-US"/>
               <a:t>Second level</a:t>
             </a:r>
           </a:p>
           <a:p>
             <a:pPr lvl="2"/>
             <a:r>
-              <a:rPr lang="en-US" smtClean="0"/>
+              <a:rPr lang="en-US"/>
               <a:t>Third level</a:t>
             </a:r>
           </a:p>
           <a:p>
             <a:pPr lvl="3"/>
             <a:r>
-              <a:rPr lang="en-US" smtClean="0"/>
+              <a:rPr lang="en-US"/>
               <a:t>Fourth level</a:t>
             </a:r>
           </a:p>
           <a:p>
             <a:pPr lvl="4"/>
             <a:r>
-              <a:rPr lang="en-US" smtClean="0"/>
+              <a:rPr lang="en-US"/>
               <a:t>Fifth level</a:t>
             </a:r>
-            <a:endParaRPr lang="en-US"/>
           </a:p>
         </p:txBody>
       </p:sp>
@@ -3189,7 +3167,7 @@
           <a:p>
             <a:fld id="{09D0395C-8A5B-CA45-A966-25AB2CC68A80}" type="datetimeFigureOut">
               <a:rPr lang="en-US" smtClean="0"/>
-              <a:t>9/11/17</a:t>
+              <a:t>9/7/18</a:t>
             </a:fld>
             <a:endParaRPr lang="en-US"/>
           </a:p>
@@ -3587,70 +3565,45 @@
           <a:lstStyle/>
           <a:p>
             <a:r>
-              <a:rPr lang="en-US" dirty="0" smtClean="0">
+              <a:rPr lang="en-US" dirty="0">
                 <a:solidFill>
                   <a:srgbClr val="0000FF"/>
                 </a:solidFill>
               </a:rPr>
               <a:t>Introduction to Julia:</a:t>
             </a:r>
-            <a:r>
-              <a:rPr lang="en-US" dirty="0" smtClean="0">
+            <a:br>
+              <a:rPr lang="en-US" dirty="0">
                 <a:solidFill>
                   <a:srgbClr val="FF0000"/>
                 </a:solidFill>
               </a:rPr>
-              <a:t/>
+            </a:br>
+            <a:r>
+              <a:rPr lang="en-US" dirty="0">
+                <a:solidFill>
+                  <a:srgbClr val="FF0000"/>
+                </a:solidFill>
+              </a:rPr>
+              <a:t>Why are we doing this to you?</a:t>
             </a:r>
             <a:br>
-              <a:rPr lang="en-US" dirty="0" smtClean="0">
+              <a:rPr lang="en-US" dirty="0">
                 <a:solidFill>
                   <a:srgbClr val="FF0000"/>
                 </a:solidFill>
               </a:rPr>
             </a:br>
             <a:r>
-              <a:rPr lang="en-US" dirty="0" smtClean="0">
-                <a:solidFill>
-                  <a:srgbClr val="FF0000"/>
-                </a:solidFill>
-              </a:rPr>
-              <a:t>Why are we doing this to you?</a:t>
-            </a:r>
-            <a:br>
-              <a:rPr lang="en-US" dirty="0" smtClean="0">
-                <a:solidFill>
-                  <a:srgbClr val="FF0000"/>
-                </a:solidFill>
-              </a:rPr>
-            </a:br>
-            <a:r>
-              <a:rPr lang="en-US" sz="2800" dirty="0" smtClean="0">
+              <a:rPr lang="en-US" sz="2800" dirty="0">
                 <a:solidFill>
                   <a:schemeClr val="bg1">
                     <a:lumMod val="50000"/>
                   </a:schemeClr>
                 </a:solidFill>
               </a:rPr>
-              <a:t>(Fall 2017</a:t>
-            </a:r>
-            <a:r>
-              <a:rPr lang="en-US" sz="2800" dirty="0" smtClean="0">
-                <a:solidFill>
-                  <a:schemeClr val="bg1">
-                    <a:lumMod val="50000"/>
-                  </a:schemeClr>
-                </a:solidFill>
-              </a:rPr>
-              <a:t>)</a:t>
-            </a:r>
-            <a:endParaRPr lang="en-US" sz="2800" dirty="0">
-              <a:solidFill>
-                <a:schemeClr val="bg1">
-                  <a:lumMod val="50000"/>
-                </a:schemeClr>
-              </a:solidFill>
-            </a:endParaRPr>
+              <a:t>(Fall 2018)</a:t>
+            </a:r>
           </a:p>
         </p:txBody>
       </p:sp>
@@ -3677,7 +3630,7 @@
           <a:lstStyle/>
           <a:p>
             <a:r>
-              <a:rPr lang="en-US" dirty="0" smtClean="0">
+              <a:rPr lang="en-US" dirty="0">
                 <a:solidFill>
                   <a:srgbClr val="0000FF"/>
                 </a:solidFill>
@@ -3690,11 +3643,11 @@
           </a:p>
           <a:p>
             <a:r>
-              <a:rPr lang="en-US" dirty="0" smtClean="0"/>
+              <a:rPr lang="en-US" dirty="0"/>
               <a:t>MIT classes </a:t>
             </a:r>
             <a:r>
-              <a:rPr lang="en-US" dirty="0" smtClean="0">
+              <a:rPr lang="en-US" dirty="0">
                 <a:solidFill>
                   <a:schemeClr val="tx1"/>
                 </a:solidFill>
@@ -3704,18 +3657,13 @@
           </a:p>
           <a:p>
             <a:r>
-              <a:rPr lang="en-US" dirty="0" smtClean="0">
+              <a:rPr lang="en-US" dirty="0">
                 <a:solidFill>
                   <a:schemeClr val="tx1"/>
                 </a:solidFill>
               </a:rPr>
               <a:t>18.335, 18.337, …</a:t>
             </a:r>
-            <a:endParaRPr lang="en-US" dirty="0">
-              <a:solidFill>
-                <a:schemeClr val="tx1"/>
-              </a:solidFill>
-            </a:endParaRPr>
           </a:p>
         </p:txBody>
       </p:sp>
@@ -3772,18 +3720,17 @@
           <a:lstStyle/>
           <a:p>
             <a:r>
-              <a:rPr lang="en-US" dirty="0" smtClean="0"/>
+              <a:rPr lang="en-US" dirty="0"/>
               <a:t>Generating </a:t>
             </a:r>
             <a:r>
-              <a:rPr lang="en-US" dirty="0" err="1" smtClean="0"/>
+              <a:rPr lang="en-US" dirty="0" err="1"/>
               <a:t>Vandermonde</a:t>
             </a:r>
             <a:r>
-              <a:rPr lang="en-US" dirty="0" smtClean="0"/>
+              <a:rPr lang="en-US" dirty="0"/>
               <a:t> matrices</a:t>
             </a:r>
-            <a:endParaRPr lang="en-US" dirty="0"/>
           </a:p>
         </p:txBody>
       </p:sp>
@@ -3834,11 +3781,11 @@
           <a:lstStyle/>
           <a:p>
             <a:r>
-              <a:rPr lang="en-US" sz="2400" dirty="0" smtClean="0"/>
+              <a:rPr lang="en-US" sz="2400" dirty="0"/>
               <a:t>given </a:t>
             </a:r>
             <a:r>
-              <a:rPr lang="en-US" sz="2400" dirty="0" smtClean="0">
+              <a:rPr lang="en-US" sz="2400" dirty="0">
                 <a:solidFill>
                   <a:srgbClr val="0000FF"/>
                 </a:solidFill>
@@ -3846,7 +3793,7 @@
               <a:t>x = [</a:t>
             </a:r>
             <a:r>
-              <a:rPr lang="el-GR" sz="2400" dirty="0" smtClean="0">
+              <a:rPr lang="el-GR" sz="2400" dirty="0">
                 <a:solidFill>
                   <a:srgbClr val="0000FF"/>
                 </a:solidFill>
@@ -3854,7 +3801,7 @@
               <a:t>α</a:t>
             </a:r>
             <a:r>
-              <a:rPr lang="en-US" sz="2400" baseline="-25000" dirty="0" smtClean="0">
+              <a:rPr lang="en-US" sz="2400" baseline="-25000" dirty="0">
                 <a:solidFill>
                   <a:srgbClr val="0000FF"/>
                 </a:solidFill>
@@ -3862,7 +3809,7 @@
               <a:t>1</a:t>
             </a:r>
             <a:r>
-              <a:rPr lang="en-US" sz="2400" dirty="0" smtClean="0">
+              <a:rPr lang="en-US" sz="2400" dirty="0">
                 <a:solidFill>
                   <a:srgbClr val="0000FF"/>
                 </a:solidFill>
@@ -3870,7 +3817,7 @@
               <a:t>, </a:t>
             </a:r>
             <a:r>
-              <a:rPr lang="el-GR" sz="2400" dirty="0" smtClean="0">
+              <a:rPr lang="el-GR" sz="2400" dirty="0">
                 <a:solidFill>
                   <a:srgbClr val="0000FF"/>
                 </a:solidFill>
@@ -3878,7 +3825,7 @@
               <a:t>α</a:t>
             </a:r>
             <a:r>
-              <a:rPr lang="en-US" sz="2400" baseline="-25000" dirty="0" smtClean="0">
+              <a:rPr lang="en-US" sz="2400" baseline="-25000" dirty="0">
                 <a:solidFill>
                   <a:srgbClr val="0000FF"/>
                 </a:solidFill>
@@ -3886,7 +3833,7 @@
               <a:t>2</a:t>
             </a:r>
             <a:r>
-              <a:rPr lang="en-US" sz="2400" dirty="0" smtClean="0">
+              <a:rPr lang="en-US" sz="2400" dirty="0">
                 <a:solidFill>
                   <a:srgbClr val="0000FF"/>
                 </a:solidFill>
@@ -3894,10 +3841,9 @@
               <a:t>, …]</a:t>
             </a:r>
             <a:r>
-              <a:rPr lang="en-US" sz="2400" dirty="0" smtClean="0"/>
+              <a:rPr lang="en-US" sz="2400" dirty="0"/>
               <a:t>, generate:</a:t>
             </a:r>
-            <a:endParaRPr lang="en-US" sz="2400" dirty="0"/>
           </a:p>
         </p:txBody>
       </p:sp>
@@ -3923,7 +3869,7 @@
           <a:lstStyle/>
           <a:p>
             <a:r>
-              <a:rPr lang="en-US" sz="2000" dirty="0" err="1" smtClean="0">
+              <a:rPr lang="en-US" sz="2000" dirty="0" err="1">
                 <a:solidFill>
                   <a:srgbClr val="FF0000"/>
                 </a:solidFill>
@@ -3931,7 +3877,7 @@
               <a:t>NumPy</a:t>
             </a:r>
             <a:r>
-              <a:rPr lang="en-US" sz="2000" dirty="0" smtClean="0">
+              <a:rPr lang="en-US" sz="2000" dirty="0">
                 <a:solidFill>
                   <a:srgbClr val="FF0000"/>
                 </a:solidFill>
@@ -3939,7 +3885,7 @@
               <a:t> </a:t>
             </a:r>
             <a:r>
-              <a:rPr lang="en-US" dirty="0" smtClean="0">
+              <a:rPr lang="en-US" dirty="0">
                 <a:solidFill>
                   <a:srgbClr val="FF0000"/>
                 </a:solidFill>
@@ -3947,7 +3893,7 @@
               <a:t>(</a:t>
             </a:r>
             <a:r>
-              <a:rPr lang="en-US" sz="1600" dirty="0" err="1" smtClean="0">
+              <a:rPr lang="en-US" sz="1600" dirty="0" err="1">
                 <a:solidFill>
                   <a:srgbClr val="FF0000"/>
                 </a:solidFill>
@@ -3957,78 +3903,73 @@
               <a:t>numpy.vander</a:t>
             </a:r>
             <a:r>
-              <a:rPr lang="en-US" dirty="0" smtClean="0">
+              <a:rPr lang="en-US" dirty="0">
                 <a:solidFill>
                   <a:srgbClr val="FF0000"/>
                 </a:solidFill>
               </a:rPr>
               <a:t>):</a:t>
-            </a:r>
-            <a:r>
-              <a:rPr lang="en-US" dirty="0" smtClean="0"/>
-              <a:t> </a:t>
-            </a:r>
-            <a:r>
-              <a:rPr lang="en-US" i="1" dirty="0" smtClean="0"/>
-              <a:t>[follow links]</a:t>
-            </a:r>
-          </a:p>
-          <a:p>
-            <a:endParaRPr lang="en-US" dirty="0" smtClean="0"/>
-          </a:p>
-          <a:p>
-            <a:r>
-              <a:rPr lang="en-US" dirty="0" smtClean="0"/>
-              <a:t>        </a:t>
-            </a:r>
-            <a:r>
-              <a:rPr lang="en-US" dirty="0" smtClean="0">
-                <a:hlinkClick r:id="rId3"/>
-              </a:rPr>
-              <a:t> Python code </a:t>
             </a:r>
             <a:r>
               <a:rPr lang="en-US" dirty="0"/>
               <a:t> </a:t>
             </a:r>
             <a:r>
-              <a:rPr lang="en-US" dirty="0" smtClean="0"/>
-              <a:t>…wraps </a:t>
-            </a:r>
-            <a:r>
-              <a:rPr lang="en-US" dirty="0" smtClean="0">
+              <a:rPr lang="en-US" i="1" dirty="0"/>
+              <a:t>[follow links]</a:t>
+            </a:r>
+          </a:p>
+          <a:p>
+            <a:endParaRPr lang="en-US" dirty="0"/>
+          </a:p>
+          <a:p>
+            <a:r>
+              <a:rPr lang="en-US" dirty="0"/>
+              <a:t>        </a:t>
+            </a:r>
+            <a:r>
+              <a:rPr lang="en-US" dirty="0">
+                <a:hlinkClick r:id="rId3"/>
+              </a:rPr>
+              <a:t> Python code </a:t>
+            </a:r>
+            <a:r>
+              <a:rPr lang="en-US" dirty="0"/>
+              <a:t> …wraps </a:t>
+            </a:r>
+            <a:r>
+              <a:rPr lang="en-US" dirty="0">
                 <a:hlinkClick r:id="rId4"/>
               </a:rPr>
               <a:t>C code </a:t>
             </a:r>
-            <a:endParaRPr lang="en-US" dirty="0" smtClean="0"/>
-          </a:p>
-          <a:p>
-            <a:r>
-              <a:rPr lang="en-US" dirty="0" smtClean="0"/>
+            <a:endParaRPr lang="en-US" dirty="0"/>
+          </a:p>
+          <a:p>
+            <a:r>
+              <a:rPr lang="en-US" dirty="0"/>
               <a:t>         … wraps </a:t>
             </a:r>
             <a:r>
-              <a:rPr lang="en-US" dirty="0" smtClean="0">
+              <a:rPr lang="en-US" dirty="0">
                 <a:hlinkClick r:id="rId5"/>
               </a:rPr>
               <a:t>generated C code</a:t>
             </a:r>
-            <a:endParaRPr lang="en-US" dirty="0" smtClean="0"/>
-          </a:p>
-          <a:p>
-            <a:endParaRPr lang="en-US" dirty="0" smtClean="0"/>
-          </a:p>
-          <a:p>
-            <a:r>
-              <a:rPr lang="en-US" dirty="0" smtClean="0"/>
+            <a:endParaRPr lang="en-US" dirty="0"/>
+          </a:p>
+          <a:p>
+            <a:endParaRPr lang="en-US" dirty="0"/>
+          </a:p>
+          <a:p>
+            <a:r>
+              <a:rPr lang="en-US" dirty="0"/>
               <a:t>type-generic at high-level, but</a:t>
             </a:r>
-            <a:endParaRPr lang="en-US" dirty="0"/>
-          </a:p>
-          <a:p>
-            <a:r>
-              <a:rPr lang="en-US" dirty="0" smtClean="0"/>
+          </a:p>
+          <a:p>
+            <a:r>
+              <a:rPr lang="en-US" dirty="0"/>
               <a:t>low level limited to small set of types.</a:t>
             </a:r>
           </a:p>
@@ -4056,7 +3997,7 @@
           <a:lstStyle/>
           <a:p>
             <a:r>
-              <a:rPr lang="en-US" sz="1600" dirty="0" smtClean="0">
+              <a:rPr lang="en-US" sz="1600" dirty="0">
                 <a:latin typeface="Monaco"/>
                 <a:cs typeface="Monaco"/>
               </a:rPr>
@@ -4124,19 +4065,8 @@
                 <a:latin typeface="Monaco"/>
                 <a:cs typeface="Monaco"/>
               </a:rPr>
-              <a:t>        V[j,1] = one</a:t>
-            </a:r>
-            <a:r>
-              <a:rPr lang="en-US" sz="1600" dirty="0" smtClean="0">
-                <a:latin typeface="Monaco"/>
-                <a:cs typeface="Monaco"/>
-              </a:rPr>
-              <a:t>(x[j])</a:t>
-            </a:r>
-            <a:endParaRPr lang="en-US" sz="1600" dirty="0">
-              <a:latin typeface="Monaco"/>
-              <a:cs typeface="Monaco"/>
-            </a:endParaRPr>
+              <a:t>        V[j,1] = one(x[j])</a:t>
+            </a:r>
           </a:p>
           <a:p>
             <a:r>
@@ -4286,14 +4216,14 @@
           <a:lstStyle/>
           <a:p>
             <a:r>
-              <a:rPr lang="en-US" sz="2000" dirty="0" smtClean="0">
+              <a:rPr lang="en-US" sz="2000" dirty="0">
                 <a:solidFill>
                   <a:srgbClr val="FF0000"/>
                 </a:solidFill>
               </a:rPr>
               <a:t>Julia (type-generic code):</a:t>
             </a:r>
-            <a:endParaRPr lang="en-US" dirty="0" smtClean="0"/>
+            <a:endParaRPr lang="en-US" dirty="0"/>
           </a:p>
         </p:txBody>
       </p:sp>
@@ -4307,13 +4237,6 @@
   <p:clrMapOvr>
     <a:masterClrMapping/>
   </p:clrMapOvr>
-  <p:timing>
-    <p:tnLst>
-      <p:par>
-        <p:cTn id="1" dur="indefinite" restart="never" nodeType="tmRoot"/>
-      </p:par>
-    </p:tnLst>
-  </p:timing>
 </p:sld>
 </file>
 
@@ -4381,18 +4304,17 @@
           <a:lstStyle/>
           <a:p>
             <a:r>
-              <a:rPr lang="en-US" dirty="0" smtClean="0"/>
+              <a:rPr lang="en-US" dirty="0"/>
               <a:t>Generating </a:t>
             </a:r>
             <a:r>
-              <a:rPr lang="en-US" dirty="0" err="1" smtClean="0"/>
+              <a:rPr lang="en-US" dirty="0" err="1"/>
               <a:t>Vandermonde</a:t>
             </a:r>
             <a:r>
-              <a:rPr lang="en-US" dirty="0" smtClean="0"/>
+              <a:rPr lang="en-US" dirty="0"/>
               <a:t> matrices</a:t>
             </a:r>
-            <a:endParaRPr lang="en-US" dirty="0"/>
           </a:p>
         </p:txBody>
       </p:sp>
@@ -4418,7 +4340,7 @@
           <a:lstStyle/>
           <a:p>
             <a:r>
-              <a:rPr lang="en-US" sz="1400" dirty="0" smtClean="0">
+              <a:rPr lang="en-US" sz="1400" dirty="0">
                 <a:latin typeface="Monaco"/>
                 <a:cs typeface="Monaco"/>
               </a:rPr>
@@ -4486,19 +4408,8 @@
                 <a:latin typeface="Monaco"/>
                 <a:cs typeface="Monaco"/>
               </a:rPr>
-              <a:t>        V[j,1] = one</a:t>
-            </a:r>
-            <a:r>
-              <a:rPr lang="en-US" sz="1400" dirty="0" smtClean="0">
-                <a:latin typeface="Monaco"/>
-                <a:cs typeface="Monaco"/>
-              </a:rPr>
-              <a:t>(x[j])</a:t>
-            </a:r>
-            <a:endParaRPr lang="en-US" sz="1400" dirty="0">
-              <a:latin typeface="Monaco"/>
-              <a:cs typeface="Monaco"/>
-            </a:endParaRPr>
+              <a:t>        V[j,1] = one(x[j])</a:t>
+            </a:r>
           </a:p>
           <a:p>
             <a:r>
@@ -4625,7 +4536,7 @@
           <a:lstStyle/>
           <a:p>
             <a:r>
-              <a:rPr lang="en-US" dirty="0" smtClean="0">
+              <a:rPr lang="en-US" dirty="0">
                 <a:solidFill>
                   <a:srgbClr val="0000FF"/>
                 </a:solidFill>
@@ -4635,7 +4546,7 @@
           </a:p>
           <a:p>
             <a:r>
-              <a:rPr lang="en-US" dirty="0" smtClean="0">
+              <a:rPr lang="en-US" dirty="0">
                 <a:solidFill>
                   <a:srgbClr val="0000FF"/>
                 </a:solidFill>
@@ -4645,18 +4556,13 @@
           </a:p>
           <a:p>
             <a:r>
-              <a:rPr lang="en-US" dirty="0" smtClean="0">
+              <a:rPr lang="en-US" dirty="0">
                 <a:solidFill>
                   <a:srgbClr val="0000FF"/>
                 </a:solidFill>
               </a:rPr>
               <a:t>… performance ≠ inflexibility</a:t>
             </a:r>
-            <a:endParaRPr lang="en-US" dirty="0">
-              <a:solidFill>
-                <a:srgbClr val="0000FF"/>
-              </a:solidFill>
-            </a:endParaRPr>
           </a:p>
         </p:txBody>
       </p:sp>
@@ -4670,13 +4576,6 @@
   <p:clrMapOvr>
     <a:masterClrMapping/>
   </p:clrMapOvr>
-  <p:timing>
-    <p:tnLst>
-      <p:par>
-        <p:cTn id="1" dur="indefinite" restart="never" nodeType="tmRoot"/>
-      </p:par>
-    </p:tnLst>
-  </p:timing>
 </p:sld>
 </file>
 
@@ -4718,11 +4617,11 @@
           <a:lstStyle/>
           <a:p>
             <a:r>
-              <a:rPr lang="en-US" dirty="0" smtClean="0"/>
+              <a:rPr lang="en-US" dirty="0"/>
               <a:t>But I don’t “</a:t>
             </a:r>
             <a:r>
-              <a:rPr lang="en-US" dirty="0" smtClean="0">
+              <a:rPr lang="en-US" dirty="0">
                 <a:solidFill>
                   <a:srgbClr val="FF0000"/>
                 </a:solidFill>
@@ -4731,13 +4630,8 @@
             </a:r>
             <a:r>
               <a:rPr lang="en-US" dirty="0"/>
-              <a:t>”</a:t>
-            </a:r>
-            <a:r>
-              <a:rPr lang="en-US" dirty="0" smtClean="0"/>
-              <a:t> performance!</a:t>
-            </a:r>
-            <a:endParaRPr lang="en-US" dirty="0"/>
+              <a:t>” performance!</a:t>
+            </a:r>
           </a:p>
         </p:txBody>
       </p:sp>
@@ -4764,19 +4658,19 @@
           <a:lstStyle/>
           <a:p>
             <a:r>
-              <a:rPr lang="en-US" sz="2800" dirty="0" smtClean="0"/>
+              <a:rPr lang="en-US" sz="2800" dirty="0"/>
               <a:t>For lots of problems, especially “toy” problems in courses, </a:t>
             </a:r>
             <a:r>
-              <a:rPr lang="en-US" sz="2800" dirty="0" err="1" smtClean="0"/>
+              <a:rPr lang="en-US" sz="2800" dirty="0" err="1"/>
               <a:t>Matlab</a:t>
             </a:r>
             <a:r>
-              <a:rPr lang="en-US" sz="2800" dirty="0" smtClean="0"/>
+              <a:rPr lang="en-US" sz="2800" dirty="0"/>
               <a:t>/Python performance is </a:t>
             </a:r>
             <a:r>
-              <a:rPr lang="en-US" sz="2800" dirty="0" smtClean="0">
+              <a:rPr lang="en-US" sz="2800" dirty="0">
                 <a:solidFill>
                   <a:srgbClr val="0000FF"/>
                 </a:solidFill>
@@ -4789,11 +4683,11 @@
           </a:p>
           <a:p>
             <a:r>
-              <a:rPr lang="en-US" sz="2800" dirty="0" smtClean="0"/>
+              <a:rPr lang="en-US" sz="2800" dirty="0"/>
               <a:t>But if use those languages for all of your “easy” problems, then </a:t>
             </a:r>
             <a:r>
-              <a:rPr lang="en-US" sz="2800" dirty="0" smtClean="0">
+              <a:rPr lang="en-US" sz="2800" dirty="0">
                 <a:solidFill>
                   <a:srgbClr val="0000FF"/>
                 </a:solidFill>
@@ -4801,11 +4695,11 @@
               <a:t>you won’t be prepared to switch when you hit a hard problem</a:t>
             </a:r>
             <a:r>
-              <a:rPr lang="en-US" sz="2800" dirty="0" smtClean="0"/>
+              <a:rPr lang="en-US" sz="2800" dirty="0"/>
               <a:t>.  </a:t>
             </a:r>
             <a:r>
-              <a:rPr lang="en-US" sz="2800" dirty="0" smtClean="0">
+              <a:rPr lang="en-US" sz="2800" dirty="0">
                 <a:solidFill>
                   <a:srgbClr val="FF0000"/>
                 </a:solidFill>
@@ -4813,7 +4707,7 @@
               <a:t>When you </a:t>
             </a:r>
             <a:r>
-              <a:rPr lang="en-US" sz="2800" b="1" dirty="0" smtClean="0">
+              <a:rPr lang="en-US" sz="2800" b="1" dirty="0">
                 <a:solidFill>
                   <a:srgbClr val="FF0000"/>
                 </a:solidFill>
@@ -4821,7 +4715,7 @@
               <a:t>need</a:t>
             </a:r>
             <a:r>
-              <a:rPr lang="en-US" sz="2800" dirty="0" smtClean="0">
+              <a:rPr lang="en-US" sz="2800" dirty="0">
                 <a:solidFill>
                   <a:srgbClr val="FF0000"/>
                 </a:solidFill>
@@ -4834,11 +4728,11 @@
           </a:p>
           <a:p>
             <a:r>
-              <a:rPr lang="en-US" sz="2800" dirty="0" smtClean="0"/>
+              <a:rPr lang="en-US" sz="2800" dirty="0"/>
               <a:t>You </a:t>
             </a:r>
             <a:r>
-              <a:rPr lang="en-US" sz="2800" dirty="0" smtClean="0">
+              <a:rPr lang="en-US" sz="2800" dirty="0">
                 <a:solidFill>
                   <a:srgbClr val="FF0000"/>
                 </a:solidFill>
@@ -4846,11 +4740,11 @@
               <a:t>don’t</a:t>
             </a:r>
             <a:r>
-              <a:rPr lang="en-US" sz="2800" dirty="0" smtClean="0"/>
+              <a:rPr lang="en-US" sz="2800" dirty="0"/>
               <a:t> want to learn a </a:t>
             </a:r>
             <a:r>
-              <a:rPr lang="en-US" sz="2800" dirty="0" smtClean="0">
+              <a:rPr lang="en-US" sz="2800" dirty="0">
                 <a:solidFill>
                   <a:srgbClr val="FF0000"/>
                 </a:solidFill>
@@ -4858,11 +4752,11 @@
               <a:t>new language </a:t>
             </a:r>
             <a:r>
-              <a:rPr lang="en-US" sz="2800" dirty="0" smtClean="0"/>
+              <a:rPr lang="en-US" sz="2800" dirty="0"/>
               <a:t>at the </a:t>
             </a:r>
             <a:r>
-              <a:rPr lang="en-US" sz="2800" dirty="0" smtClean="0">
+              <a:rPr lang="en-US" sz="2800" dirty="0">
                 <a:solidFill>
                   <a:srgbClr val="FF0000"/>
                 </a:solidFill>
@@ -4870,11 +4764,11 @@
               <a:t>same time</a:t>
             </a:r>
             <a:r>
-              <a:rPr lang="en-US" sz="2800" dirty="0" smtClean="0"/>
+              <a:rPr lang="en-US" sz="2800" dirty="0"/>
               <a:t> that you are solving </a:t>
             </a:r>
             <a:r>
-              <a:rPr lang="en-US" sz="2800" dirty="0" smtClean="0">
+              <a:rPr lang="en-US" sz="2800" dirty="0">
                 <a:solidFill>
                   <a:srgbClr val="FF0000"/>
                 </a:solidFill>
@@ -4882,7 +4776,7 @@
               <a:t>your first truly difficult </a:t>
             </a:r>
             <a:r>
-              <a:rPr lang="en-US" sz="2800" dirty="0" smtClean="0"/>
+              <a:rPr lang="en-US" sz="2800" dirty="0"/>
               <a:t>computational problem.</a:t>
             </a:r>
           </a:p>
@@ -4898,13 +4792,6 @@
   <p:clrMapOvr>
     <a:masterClrMapping/>
   </p:clrMapOvr>
-  <p:timing>
-    <p:tnLst>
-      <p:par>
-        <p:cTn id="1" dur="indefinite" restart="never" nodeType="tmRoot"/>
-      </p:par>
-    </p:tnLst>
-  </p:timing>
 </p:sld>
 </file>
 
@@ -4948,38 +4835,34 @@
           <a:lstStyle/>
           <a:p>
             <a:r>
-              <a:rPr lang="en-US" dirty="0" smtClean="0"/>
+              <a:rPr lang="en-US" dirty="0"/>
               <a:t>Just </a:t>
             </a:r>
             <a:r>
-              <a:rPr lang="en-US" dirty="0" err="1" smtClean="0"/>
+              <a:rPr lang="en-US" dirty="0" err="1"/>
               <a:t>vectorize</a:t>
             </a:r>
             <a:r>
-              <a:rPr lang="en-US" dirty="0" smtClean="0"/>
+              <a:rPr lang="en-US" dirty="0"/>
               <a:t> your code?</a:t>
             </a:r>
             <a:br>
-              <a:rPr lang="en-US" dirty="0" smtClean="0"/>
+              <a:rPr lang="en-US" dirty="0"/>
             </a:br>
             <a:r>
-              <a:rPr lang="en-US" sz="3100" dirty="0" smtClean="0"/>
+              <a:rPr lang="en-US" sz="3100" dirty="0"/>
               <a:t>= rely on mature </a:t>
             </a:r>
             <a:r>
-              <a:rPr lang="en-US" sz="3100" dirty="0" smtClean="0">
+              <a:rPr lang="en-US" sz="3100" dirty="0">
                 <a:solidFill>
                   <a:srgbClr val="FF0000"/>
                 </a:solidFill>
               </a:rPr>
               <a:t>external libraries,</a:t>
             </a:r>
-            <a:r>
-              <a:rPr lang="en-US" sz="3100" dirty="0" smtClean="0"/>
-              <a:t/>
-            </a:r>
             <a:br>
-              <a:rPr lang="en-US" sz="3100" dirty="0" smtClean="0"/>
+              <a:rPr lang="en-US" sz="3100" dirty="0"/>
             </a:br>
             <a:r>
               <a:rPr lang="en-US" sz="3100" dirty="0"/>
@@ -4991,29 +4874,21 @@
                   <a:srgbClr val="FF0000"/>
                 </a:solidFill>
               </a:rPr>
-              <a:t>large blocks of </a:t>
-            </a:r>
-            <a:r>
-              <a:rPr lang="en-US" sz="3100" dirty="0" smtClean="0">
+              <a:t>large blocks of data,</a:t>
+            </a:r>
+            <a:br>
+              <a:rPr lang="en-US" sz="3100" dirty="0">
                 <a:solidFill>
                   <a:srgbClr val="FF0000"/>
                 </a:solidFill>
               </a:rPr>
-              <a:t>data,</a:t>
+            </a:br>
+            <a:r>
+              <a:rPr lang="en-US" sz="3100" dirty="0"/>
+              <a:t>for performance-critical code</a:t>
             </a:r>
             <a:br>
-              <a:rPr lang="en-US" sz="3100" dirty="0" smtClean="0">
-                <a:solidFill>
-                  <a:srgbClr val="FF0000"/>
-                </a:solidFill>
-              </a:rPr>
-            </a:br>
-            <a:r>
-              <a:rPr lang="en-US" sz="3100" dirty="0" smtClean="0"/>
-              <a:t>for performance-critical code</a:t>
-            </a:r>
-            <a:br>
-              <a:rPr lang="en-US" sz="3100" dirty="0" smtClean="0"/>
+              <a:rPr lang="en-US" sz="3100" dirty="0"/>
             </a:br>
             <a:endParaRPr lang="en-US" dirty="0">
               <a:solidFill>
@@ -5046,7 +4921,7 @@
           <a:lstStyle/>
           <a:p>
             <a:r>
-              <a:rPr lang="en-US" sz="3200" dirty="0" smtClean="0">
+              <a:rPr lang="en-US" sz="3200" dirty="0">
                 <a:solidFill>
                   <a:srgbClr val="FF0000"/>
                 </a:solidFill>
@@ -5054,7 +4929,7 @@
               <a:t>Good advice!  </a:t>
             </a:r>
             <a:r>
-              <a:rPr lang="en-US" sz="3200" dirty="0" smtClean="0"/>
+              <a:rPr lang="en-US" sz="3200" dirty="0"/>
               <a:t>But…</a:t>
             </a:r>
           </a:p>
@@ -5064,14 +4939,10 @@
           <a:p>
             <a:r>
               <a:rPr lang="en-US" sz="2400" dirty="0"/>
-              <a:t>	</a:t>
-            </a:r>
-            <a:r>
-              <a:rPr lang="en-US" sz="2400" dirty="0" smtClean="0"/>
-              <a:t>• </a:t>
-            </a:r>
-            <a:r>
-              <a:rPr lang="en-US" sz="2400" dirty="0" smtClean="0">
+              <a:t>	• </a:t>
+            </a:r>
+            <a:r>
+              <a:rPr lang="en-US" sz="2400" dirty="0">
                 <a:solidFill>
                   <a:srgbClr val="0000FF"/>
                 </a:solidFill>
@@ -5079,20 +4950,20 @@
               <a:t>Someone</a:t>
             </a:r>
             <a:r>
-              <a:rPr lang="en-US" sz="2400" dirty="0" smtClean="0"/>
+              <a:rPr lang="en-US" sz="2400" dirty="0"/>
               <a:t> has to write those libraries.</a:t>
             </a:r>
           </a:p>
           <a:p>
-            <a:endParaRPr lang="en-US" sz="2400" dirty="0" smtClean="0"/>
-          </a:p>
-          <a:p>
-            <a:r>
-              <a:rPr lang="en-US" sz="2400" dirty="0" smtClean="0"/>
+            <a:endParaRPr lang="en-US" sz="2400" dirty="0"/>
+          </a:p>
+          <a:p>
+            <a:r>
+              <a:rPr lang="en-US" sz="2400" dirty="0"/>
               <a:t>	• Eventually that person will be </a:t>
             </a:r>
             <a:r>
-              <a:rPr lang="en-US" sz="2400" dirty="0" smtClean="0">
+              <a:rPr lang="en-US" sz="2400" dirty="0">
                 <a:solidFill>
                   <a:srgbClr val="0000FF"/>
                 </a:solidFill>
@@ -5103,14 +4974,10 @@
           <a:p>
             <a:r>
               <a:rPr lang="en-US" sz="2400" dirty="0"/>
-              <a:t>	</a:t>
-            </a:r>
-            <a:r>
-              <a:rPr lang="en-US" sz="2400" dirty="0" smtClean="0"/>
-              <a:t>		— </a:t>
-            </a:r>
-            <a:r>
-              <a:rPr lang="en-US" sz="2400" dirty="0" smtClean="0">
+              <a:t>			— </a:t>
+            </a:r>
+            <a:r>
+              <a:rPr lang="en-US" sz="2400" dirty="0">
                 <a:solidFill>
                   <a:srgbClr val="FF0000"/>
                 </a:solidFill>
@@ -5118,28 +4985,23 @@
               <a:t>some problems </a:t>
             </a:r>
             <a:r>
-              <a:rPr lang="en-US" sz="2400" dirty="0" smtClean="0"/>
+              <a:rPr lang="en-US" sz="2400" dirty="0"/>
               <a:t>are impossible or</a:t>
             </a:r>
           </a:p>
           <a:p>
             <a:r>
               <a:rPr lang="en-US" sz="2400" dirty="0"/>
-              <a:t>	</a:t>
-            </a:r>
-            <a:r>
-              <a:rPr lang="en-US" sz="2400" dirty="0" smtClean="0"/>
-              <a:t>			just very awkward to </a:t>
-            </a:r>
-            <a:r>
-              <a:rPr lang="en-US" sz="2400" dirty="0" err="1" smtClean="0"/>
+              <a:t>				just very awkward to </a:t>
+            </a:r>
+            <a:r>
+              <a:rPr lang="en-US" sz="2400" dirty="0" err="1"/>
               <a:t>vectorize</a:t>
             </a:r>
             <a:r>
-              <a:rPr lang="en-US" sz="2400" dirty="0" smtClean="0"/>
+              <a:rPr lang="en-US" sz="2400" dirty="0"/>
               <a:t>.</a:t>
             </a:r>
-            <a:endParaRPr lang="en-US" sz="2400" dirty="0"/>
           </a:p>
         </p:txBody>
       </p:sp>
@@ -5153,13 +5015,6 @@
   <p:clrMapOvr>
     <a:masterClrMapping/>
   </p:clrMapOvr>
-  <p:timing>
-    <p:tnLst>
-      <p:par>
-        <p:cTn id="1" dur="indefinite" restart="never" nodeType="tmRoot"/>
-      </p:par>
-    </p:tnLst>
-  </p:timing>
 </p:sld>
 </file>
 
@@ -5198,22 +5053,22 @@
           <a:lstStyle/>
           <a:p>
             <a:r>
-              <a:rPr lang="en-US" dirty="0" smtClean="0"/>
+              <a:rPr lang="en-US" dirty="0"/>
               <a:t>But everyone else is using</a:t>
             </a:r>
             <a:br>
-              <a:rPr lang="en-US" dirty="0" smtClean="0"/>
+              <a:rPr lang="en-US" dirty="0"/>
             </a:br>
             <a:r>
-              <a:rPr lang="en-US" dirty="0" err="1" smtClean="0"/>
+              <a:rPr lang="en-US" dirty="0" err="1"/>
               <a:t>Matlab</a:t>
             </a:r>
             <a:r>
-              <a:rPr lang="en-US" dirty="0" smtClean="0"/>
+              <a:rPr lang="en-US" dirty="0"/>
               <a:t>/Python/R/</a:t>
             </a:r>
             <a:r>
-              <a:rPr lang="is-IS" dirty="0" smtClean="0"/>
+              <a:rPr lang="is-IS" dirty="0"/>
               <a:t>…</a:t>
             </a:r>
             <a:endParaRPr lang="en-US" dirty="0"/>
@@ -5243,11 +5098,11 @@
           <a:lstStyle/>
           <a:p>
             <a:r>
-              <a:rPr lang="en-US" sz="3200" dirty="0" smtClean="0"/>
+              <a:rPr lang="en-US" sz="3200" dirty="0"/>
               <a:t>Julia is still a young, niche language.  That imposes real costs — lack of </a:t>
             </a:r>
             <a:r>
-              <a:rPr lang="en-US" sz="3200" dirty="0" smtClean="0">
+              <a:rPr lang="en-US" sz="3200" dirty="0">
                 <a:solidFill>
                   <a:srgbClr val="0000FF"/>
                 </a:solidFill>
@@ -5255,11 +5110,11 @@
               <a:t>familiarity</a:t>
             </a:r>
             <a:r>
-              <a:rPr lang="en-US" sz="3200" dirty="0" smtClean="0"/>
+              <a:rPr lang="en-US" sz="3200" dirty="0"/>
               <a:t>, </a:t>
             </a:r>
             <a:r>
-              <a:rPr lang="en-US" sz="3200" dirty="0" smtClean="0">
+              <a:rPr lang="en-US" sz="3200" dirty="0">
                 <a:solidFill>
                   <a:srgbClr val="0000FF"/>
                 </a:solidFill>
@@ -5267,11 +5122,11 @@
               <a:t>rough</a:t>
             </a:r>
             <a:r>
-              <a:rPr lang="en-US" sz="3200" dirty="0" smtClean="0"/>
+              <a:rPr lang="en-US" sz="3200" dirty="0"/>
               <a:t> edges, continual language </a:t>
             </a:r>
             <a:r>
-              <a:rPr lang="en-US" sz="3200" dirty="0" smtClean="0">
+              <a:rPr lang="en-US" sz="3200" dirty="0">
                 <a:solidFill>
                   <a:srgbClr val="0000FF"/>
                 </a:solidFill>
@@ -5279,11 +5134,11 @@
               <a:t>changes</a:t>
             </a:r>
             <a:r>
-              <a:rPr lang="en-US" sz="3200" dirty="0" smtClean="0"/>
+              <a:rPr lang="en-US" sz="3200" dirty="0"/>
               <a:t>.  </a:t>
             </a:r>
             <a:r>
-              <a:rPr lang="en-US" sz="3200" dirty="0" smtClean="0">
+              <a:rPr lang="en-US" sz="3200" dirty="0">
                 <a:solidFill>
                   <a:srgbClr val="FF0000"/>
                 </a:solidFill>
@@ -5296,18 +5151,17 @@
           </a:p>
           <a:p>
             <a:r>
-              <a:rPr lang="en-US" sz="3200" dirty="0" smtClean="0"/>
+              <a:rPr lang="en-US" sz="3200" dirty="0"/>
               <a:t>But it also gives you advantages that </a:t>
             </a:r>
             <a:r>
-              <a:rPr lang="en-US" sz="3200" dirty="0" err="1" smtClean="0"/>
+              <a:rPr lang="en-US" sz="3200" dirty="0" err="1"/>
               <a:t>Matlab</a:t>
             </a:r>
             <a:r>
-              <a:rPr lang="en-US" sz="3200" dirty="0" smtClean="0"/>
+              <a:rPr lang="en-US" sz="3200" dirty="0"/>
               <a:t>/Python users don’t have.</a:t>
             </a:r>
-            <a:endParaRPr lang="en-US" sz="3200" dirty="0"/>
           </a:p>
         </p:txBody>
       </p:sp>
@@ -5321,13 +5175,6 @@
   <p:clrMapOvr>
     <a:masterClrMapping/>
   </p:clrMapOvr>
-  <p:timing>
-    <p:tnLst>
-      <p:par>
-        <p:cTn id="1" dur="indefinite" restart="never" nodeType="tmRoot"/>
-      </p:par>
-    </p:tnLst>
-  </p:timing>
 </p:sld>
 </file>
 
@@ -5371,10 +5218,9 @@
           <a:lstStyle/>
           <a:p>
             <a:r>
-              <a:rPr lang="en-US" dirty="0" smtClean="0"/>
+              <a:rPr lang="en-US" dirty="0"/>
               <a:t>But I lose access to all the libraries available for other languages?</a:t>
             </a:r>
-            <a:endParaRPr lang="en-US" dirty="0"/>
           </a:p>
         </p:txBody>
       </p:sp>
@@ -5401,11 +5247,11 @@
           <a:lstStyle/>
           <a:p>
             <a:r>
-              <a:rPr lang="en-US" sz="3200" dirty="0" smtClean="0"/>
+              <a:rPr lang="en-US" sz="3200" dirty="0"/>
               <a:t>Very easy to </a:t>
             </a:r>
             <a:r>
-              <a:rPr lang="en-US" sz="3200" dirty="0" smtClean="0">
+              <a:rPr lang="en-US" sz="3200" dirty="0">
                 <a:solidFill>
                   <a:srgbClr val="0000FF"/>
                 </a:solidFill>
@@ -5413,11 +5259,11 @@
               <a:t>call C/Fortran </a:t>
             </a:r>
             <a:r>
-              <a:rPr lang="en-US" sz="3200" dirty="0" smtClean="0"/>
+              <a:rPr lang="en-US" sz="3200" dirty="0"/>
               <a:t>libraries </a:t>
             </a:r>
             <a:r>
-              <a:rPr lang="en-US" sz="3200" dirty="0" smtClean="0">
+              <a:rPr lang="en-US" sz="3200" dirty="0">
                 <a:solidFill>
                   <a:srgbClr val="FF0000"/>
                 </a:solidFill>
@@ -5425,11 +5271,11 @@
               <a:t>from Julia</a:t>
             </a:r>
             <a:r>
-              <a:rPr lang="en-US" sz="3200" dirty="0" smtClean="0"/>
+              <a:rPr lang="en-US" sz="3200" dirty="0"/>
               <a:t>, and </a:t>
             </a:r>
             <a:r>
-              <a:rPr lang="en-US" sz="3200" dirty="0" smtClean="0">
+              <a:rPr lang="en-US" sz="3200" dirty="0">
                 <a:solidFill>
                   <a:srgbClr val="0000FF"/>
                 </a:solidFill>
@@ -5437,10 +5283,9 @@
               <a:t>also to call Python</a:t>
             </a:r>
             <a:r>
-              <a:rPr lang="en-US" sz="3200" dirty="0" smtClean="0"/>
+              <a:rPr lang="en-US" sz="3200" dirty="0"/>
               <a:t>…</a:t>
             </a:r>
-            <a:endParaRPr lang="en-US" sz="3200" dirty="0"/>
           </a:p>
         </p:txBody>
       </p:sp>
@@ -5454,13 +5299,6 @@
   <p:clrMapOvr>
     <a:masterClrMapping/>
   </p:clrMapOvr>
-  <p:timing>
-    <p:tnLst>
-      <p:par>
-        <p:cTn id="1" dur="indefinite" restart="never" nodeType="tmRoot"/>
-      </p:par>
-    </p:tnLst>
-  </p:timing>
 </p:sld>
 </file>
 
@@ -5528,22 +5366,17 @@
           <a:lstStyle/>
           <a:p>
             <a:r>
-              <a:rPr lang="en-US" dirty="0" smtClean="0"/>
+              <a:rPr lang="en-US" dirty="0"/>
               <a:t>[ </a:t>
             </a:r>
             <a:r>
-              <a:rPr lang="en-US" dirty="0" err="1" smtClean="0"/>
+              <a:rPr lang="en-US" dirty="0" err="1"/>
               <a:t>jupyter.org</a:t>
             </a:r>
             <a:r>
-              <a:rPr lang="en-US" dirty="0" smtClean="0"/>
-              <a:t> </a:t>
-            </a:r>
-            <a:r>
-              <a:rPr lang="en-US" dirty="0" smtClean="0"/>
-              <a:t>]</a:t>
-            </a:r>
-            <a:endParaRPr lang="en-US" dirty="0"/>
+              <a:rPr lang="en-US" dirty="0"/>
+              <a:t> ]</a:t>
+            </a:r>
           </a:p>
         </p:txBody>
       </p:sp>
@@ -5570,42 +5403,42 @@
           <a:lstStyle/>
           <a:p>
             <a:r>
-              <a:rPr lang="en-US" sz="2400" i="1" dirty="0" smtClean="0"/>
+              <a:rPr lang="en-US" sz="2400" i="1" dirty="0"/>
               <a:t>via </a:t>
             </a:r>
             <a:r>
-              <a:rPr lang="en-US" sz="2400" i="1" dirty="0" err="1" smtClean="0"/>
+              <a:rPr lang="en-US" sz="2400" i="1" dirty="0" err="1"/>
               <a:t>IPython</a:t>
             </a:r>
             <a:r>
-              <a:rPr lang="en-US" sz="2400" i="1" dirty="0" smtClean="0"/>
+              <a:rPr lang="en-US" sz="2400" i="1" dirty="0"/>
               <a:t>/</a:t>
             </a:r>
             <a:r>
-              <a:rPr lang="en-US" sz="2400" i="1" dirty="0" err="1" smtClean="0"/>
+              <a:rPr lang="en-US" sz="2400" i="1" dirty="0" err="1"/>
               <a:t>Jupyter</a:t>
             </a:r>
             <a:r>
-              <a:rPr lang="en-US" sz="2400" i="1" dirty="0" smtClean="0"/>
+              <a:rPr lang="en-US" sz="2400" i="1" dirty="0"/>
               <a:t>:</a:t>
             </a:r>
           </a:p>
           <a:p>
-            <a:endParaRPr lang="en-US" sz="2400" dirty="0" smtClean="0"/>
-          </a:p>
-          <a:p>
-            <a:r>
-              <a:rPr lang="en-US" sz="2400" dirty="0" smtClean="0"/>
+            <a:endParaRPr lang="en-US" sz="2400" dirty="0"/>
+          </a:p>
+          <a:p>
+            <a:r>
+              <a:rPr lang="en-US" sz="2400" dirty="0"/>
               <a:t>Modern multimedia</a:t>
             </a:r>
           </a:p>
           <a:p>
             <a:r>
-              <a:rPr lang="en-US" sz="2400" dirty="0" smtClean="0"/>
+              <a:rPr lang="en-US" sz="2400" dirty="0"/>
               <a:t>interactive </a:t>
             </a:r>
             <a:r>
-              <a:rPr lang="en-US" sz="2400" dirty="0" smtClean="0">
+              <a:rPr lang="en-US" sz="2400" dirty="0">
                 <a:solidFill>
                   <a:srgbClr val="0000FF"/>
                 </a:solidFill>
@@ -5615,11 +5448,11 @@
           </a:p>
           <a:p>
             <a:r>
-              <a:rPr lang="en-US" sz="2400" dirty="0" smtClean="0"/>
+              <a:rPr lang="en-US" sz="2400" dirty="0"/>
               <a:t>mixing </a:t>
             </a:r>
             <a:r>
-              <a:rPr lang="en-US" sz="2400" dirty="0" smtClean="0">
+              <a:rPr lang="en-US" sz="2400" dirty="0">
                 <a:solidFill>
                   <a:srgbClr val="0000FF"/>
                 </a:solidFill>
@@ -5627,11 +5460,11 @@
               <a:t>code</a:t>
             </a:r>
             <a:r>
-              <a:rPr lang="en-US" sz="2400" dirty="0" smtClean="0"/>
+              <a:rPr lang="en-US" sz="2400" dirty="0"/>
               <a:t>, </a:t>
             </a:r>
             <a:r>
-              <a:rPr lang="en-US" sz="2400" dirty="0" smtClean="0">
+              <a:rPr lang="en-US" sz="2400" dirty="0">
                 <a:solidFill>
                   <a:srgbClr val="0000FF"/>
                 </a:solidFill>
@@ -5639,13 +5472,13 @@
               <a:t>results</a:t>
             </a:r>
             <a:r>
-              <a:rPr lang="en-US" sz="2400" dirty="0" smtClean="0"/>
+              <a:rPr lang="en-US" sz="2400" dirty="0"/>
               <a:t>,</a:t>
             </a:r>
           </a:p>
           <a:p>
             <a:r>
-              <a:rPr lang="en-US" sz="2400" dirty="0" smtClean="0">
+              <a:rPr lang="en-US" sz="2400" dirty="0">
                 <a:solidFill>
                   <a:srgbClr val="0000FF"/>
                 </a:solidFill>
@@ -5653,11 +5486,11 @@
               <a:t>graphics</a:t>
             </a:r>
             <a:r>
-              <a:rPr lang="en-US" sz="2400" dirty="0" smtClean="0"/>
+              <a:rPr lang="en-US" sz="2400" dirty="0"/>
               <a:t>, rich </a:t>
             </a:r>
             <a:r>
-              <a:rPr lang="en-US" sz="2400" dirty="0" smtClean="0">
+              <a:rPr lang="en-US" sz="2400" dirty="0">
                 <a:solidFill>
                   <a:srgbClr val="0000FF"/>
                 </a:solidFill>
@@ -5665,11 +5498,11 @@
               <a:t>text</a:t>
             </a:r>
             <a:r>
-              <a:rPr lang="en-US" sz="2400" dirty="0" smtClean="0"/>
+              <a:rPr lang="en-US" sz="2400" dirty="0"/>
               <a:t>, equations, </a:t>
             </a:r>
             <a:r>
-              <a:rPr lang="en-US" sz="2400" dirty="0" smtClean="0">
+              <a:rPr lang="en-US" sz="2400" dirty="0">
                 <a:solidFill>
                   <a:srgbClr val="0000FF"/>
                 </a:solidFill>
@@ -5687,7 +5520,7 @@
           <a:p>
             <a:pPr algn="ctr"/>
             <a:r>
-              <a:rPr lang="en-US" sz="2400" dirty="0" smtClean="0">
+              <a:rPr lang="en-US" sz="2400" dirty="0">
                 <a:solidFill>
                   <a:srgbClr val="0000FF"/>
                 </a:solidFill>
@@ -5695,7 +5528,7 @@
               <a:t>“</a:t>
             </a:r>
             <a:r>
-              <a:rPr lang="en-US" sz="2400" dirty="0" err="1" smtClean="0">
+              <a:rPr lang="en-US" sz="2400" dirty="0" err="1">
                 <a:solidFill>
                   <a:srgbClr val="0000FF"/>
                 </a:solidFill>
@@ -5703,7 +5536,7 @@
               <a:t>IJulia</a:t>
             </a:r>
             <a:r>
-              <a:rPr lang="en-US" sz="2400" dirty="0" smtClean="0">
+              <a:rPr lang="en-US" sz="2400" dirty="0">
                 <a:solidFill>
                   <a:srgbClr val="0000FF"/>
                 </a:solidFill>
@@ -5734,10 +5567,9 @@
           <a:lstStyle/>
           <a:p>
             <a:r>
-              <a:rPr lang="en-US" dirty="0" smtClean="0"/>
+              <a:rPr lang="en-US" dirty="0"/>
               <a:t>Julia leverages Python…</a:t>
             </a:r>
-            <a:endParaRPr lang="en-US" dirty="0"/>
           </a:p>
         </p:txBody>
       </p:sp>
@@ -5801,7 +5633,7 @@
           <a:lstStyle/>
           <a:p>
             <a:r>
-              <a:rPr lang="en-US" sz="2400" dirty="0" smtClean="0">
+              <a:rPr lang="en-US" sz="2400" dirty="0">
                 <a:solidFill>
                   <a:srgbClr val="FF0000"/>
                 </a:solidFill>
@@ -5809,29 +5641,25 @@
               <a:t>Directly call Python libraries </a:t>
             </a:r>
             <a:r>
-              <a:rPr lang="en-US" sz="2400" dirty="0" smtClean="0"/>
+              <a:rPr lang="en-US" sz="2400" dirty="0"/>
               <a:t>(</a:t>
             </a:r>
             <a:r>
-              <a:rPr lang="en-US" sz="2400" dirty="0" err="1" smtClean="0"/>
+              <a:rPr lang="en-US" sz="2400" dirty="0" err="1"/>
               <a:t>PyCall</a:t>
             </a:r>
             <a:r>
-              <a:rPr lang="en-US" sz="2400" dirty="0" smtClean="0"/>
+              <a:rPr lang="en-US" sz="2400" dirty="0"/>
               <a:t> package),</a:t>
             </a:r>
           </a:p>
           <a:p>
             <a:r>
               <a:rPr lang="en-US" sz="2400" dirty="0"/>
-              <a:t>	</a:t>
-            </a:r>
-            <a:r>
-              <a:rPr lang="en-US" sz="2400" dirty="0" smtClean="0"/>
-              <a:t>e.g. to plot with </a:t>
-            </a:r>
-            <a:r>
-              <a:rPr lang="en-US" sz="2400" dirty="0" err="1" smtClean="0">
+              <a:t>	e.g. to plot with </a:t>
+            </a:r>
+            <a:r>
+              <a:rPr lang="en-US" sz="2400" dirty="0" err="1">
                 <a:solidFill>
                   <a:srgbClr val="FF0000"/>
                 </a:solidFill>
@@ -5839,7 +5667,7 @@
               <a:t>Matplotlib</a:t>
             </a:r>
             <a:r>
-              <a:rPr lang="en-US" sz="2400" dirty="0" smtClean="0">
+              <a:rPr lang="en-US" sz="2400" dirty="0">
                 <a:solidFill>
                   <a:srgbClr val="FF0000"/>
                 </a:solidFill>
@@ -5847,22 +5675,17 @@
               <a:t> </a:t>
             </a:r>
             <a:r>
-              <a:rPr lang="en-US" sz="2400" dirty="0" smtClean="0"/>
+              <a:rPr lang="en-US" sz="2400" dirty="0"/>
               <a:t>(</a:t>
             </a:r>
             <a:r>
-              <a:rPr lang="en-US" sz="2400" dirty="0" err="1" smtClean="0"/>
+              <a:rPr lang="en-US" sz="2400" dirty="0" err="1"/>
               <a:t>PyPlot</a:t>
             </a:r>
             <a:r>
-              <a:rPr lang="en-US" sz="2400" dirty="0" smtClean="0"/>
-              <a:t> package</a:t>
-            </a:r>
-            <a:r>
-              <a:rPr lang="en-US" sz="2400" dirty="0" smtClean="0"/>
-              <a:t>), and also…</a:t>
-            </a:r>
-            <a:endParaRPr lang="en-US" sz="2400" dirty="0"/>
+              <a:rPr lang="en-US" sz="2400" dirty="0"/>
+              <a:t> package), and also…</a:t>
+            </a:r>
           </a:p>
         </p:txBody>
       </p:sp>
@@ -5900,13 +5723,6 @@
   <p:clrMapOvr>
     <a:masterClrMapping/>
   </p:clrMapOvr>
-  <p:timing>
-    <p:tnLst>
-      <p:par>
-        <p:cTn id="1" dur="indefinite" restart="never" nodeType="tmRoot"/>
-      </p:par>
-    </p:tnLst>
-  </p:timing>
 </p:sld>
 </file>
 
@@ -5948,7 +5764,7 @@
           <a:lstStyle/>
           <a:p>
             <a:r>
-              <a:rPr lang="en-US" sz="4000" dirty="0" err="1" smtClean="0">
+              <a:rPr lang="en-US" sz="4000" dirty="0" err="1">
                 <a:solidFill>
                   <a:srgbClr val="FF0000"/>
                 </a:solidFill>
@@ -5958,7 +5774,7 @@
               <a:t>goto</a:t>
             </a:r>
             <a:r>
-              <a:rPr lang="en-US" sz="4000" dirty="0" smtClean="0">
+              <a:rPr lang="en-US" sz="4000" dirty="0">
                 <a:solidFill>
                   <a:srgbClr val="FF0000"/>
                 </a:solidFill>
@@ -5966,11 +5782,11 @@
               <a:t> </a:t>
             </a:r>
             <a:r>
-              <a:rPr lang="en-US" dirty="0" smtClean="0"/>
+              <a:rPr lang="en-US" dirty="0"/>
               <a:t>live </a:t>
             </a:r>
             <a:r>
-              <a:rPr lang="en-US" dirty="0" err="1" smtClean="0">
+              <a:rPr lang="en-US" dirty="0" err="1">
                 <a:solidFill>
                   <a:srgbClr val="FF0000"/>
                 </a:solidFill>
@@ -5978,7 +5794,7 @@
               <a:t>IJulia</a:t>
             </a:r>
             <a:r>
-              <a:rPr lang="en-US" dirty="0" smtClean="0">
+              <a:rPr lang="en-US" dirty="0">
                 <a:solidFill>
                   <a:srgbClr val="FF0000"/>
                 </a:solidFill>
@@ -5986,10 +5802,9 @@
               <a:t> notebook</a:t>
             </a:r>
             <a:r>
-              <a:rPr lang="en-US" dirty="0" smtClean="0"/>
+              <a:rPr lang="en-US" dirty="0"/>
               <a:t> demo…</a:t>
             </a:r>
-            <a:endParaRPr lang="en-US" dirty="0"/>
           </a:p>
         </p:txBody>
       </p:sp>
@@ -6017,11 +5832,11 @@
           <a:p>
             <a:pPr algn="ctr"/>
             <a:r>
-              <a:rPr lang="en-US" sz="2800" dirty="0" smtClean="0"/>
+              <a:rPr lang="en-US" sz="2800" dirty="0"/>
               <a:t>Go to</a:t>
             </a:r>
             <a:r>
-              <a:rPr lang="en-US" sz="2800" dirty="0" smtClean="0">
+              <a:rPr lang="en-US" sz="2800" dirty="0">
                 <a:solidFill>
                   <a:srgbClr val="FF0000"/>
                 </a:solidFill>
@@ -6029,7 +5844,7 @@
               <a:t> </a:t>
             </a:r>
             <a:r>
-              <a:rPr lang="en-US" sz="2800" dirty="0" err="1" smtClean="0">
+              <a:rPr lang="en-US" sz="2800" dirty="0" err="1">
                 <a:solidFill>
                   <a:srgbClr val="FF0000"/>
                 </a:solidFill>
@@ -6037,7 +5852,7 @@
               <a:t>juliabox.org</a:t>
             </a:r>
             <a:r>
-              <a:rPr lang="en-US" sz="2800" dirty="0" smtClean="0">
+              <a:rPr lang="en-US" sz="2800" dirty="0">
                 <a:solidFill>
                   <a:srgbClr val="FF0000"/>
                 </a:solidFill>
@@ -6045,15 +5860,15 @@
               <a:t> </a:t>
             </a:r>
             <a:r>
-              <a:rPr lang="en-US" sz="2800" dirty="0" smtClean="0"/>
+              <a:rPr lang="en-US" sz="2800" dirty="0"/>
               <a:t>for install-free </a:t>
             </a:r>
             <a:r>
-              <a:rPr lang="en-US" sz="2800" dirty="0" err="1" smtClean="0"/>
+              <a:rPr lang="en-US" sz="2800" dirty="0" err="1"/>
               <a:t>IJulia</a:t>
             </a:r>
             <a:r>
-              <a:rPr lang="en-US" sz="2800" dirty="0" smtClean="0"/>
+              <a:rPr lang="en-US" sz="2800" dirty="0"/>
               <a:t> on the Amazon cloud</a:t>
             </a:r>
           </a:p>
@@ -6064,11 +5879,11 @@
           <a:p>
             <a:pPr algn="ctr"/>
             <a:r>
-              <a:rPr lang="en-US" sz="2800" dirty="0" smtClean="0"/>
+              <a:rPr lang="en-US" sz="2800" dirty="0"/>
               <a:t>See also </a:t>
             </a:r>
             <a:r>
-              <a:rPr lang="en-US" sz="2800" dirty="0" err="1" smtClean="0">
+              <a:rPr lang="en-US" sz="2800" dirty="0" err="1">
                 <a:solidFill>
                   <a:srgbClr val="FF0000"/>
                 </a:solidFill>
@@ -6076,10 +5891,9 @@
               <a:t>julialang.org</a:t>
             </a:r>
             <a:r>
-              <a:rPr lang="en-US" sz="2800" dirty="0" smtClean="0"/>
+              <a:rPr lang="en-US" sz="2800" dirty="0"/>
               <a:t> for more tutorial materials…</a:t>
             </a:r>
-            <a:endParaRPr lang="en-US" sz="2800" dirty="0"/>
           </a:p>
         </p:txBody>
       </p:sp>
@@ -6093,13 +5907,6 @@
   <p:clrMapOvr>
     <a:masterClrMapping/>
   </p:clrMapOvr>
-  <p:timing>
-    <p:tnLst>
-      <p:par>
-        <p:cTn id="1" dur="indefinite" restart="never" nodeType="tmRoot"/>
-      </p:par>
-    </p:tnLst>
-  </p:timing>
 </p:sld>
 </file>
 
@@ -6179,26 +5986,22 @@
           <a:lstStyle/>
           <a:p>
             <a:r>
-              <a:rPr lang="en-US" dirty="0" smtClean="0"/>
+              <a:rPr lang="en-US" dirty="0"/>
               <a:t>What language for </a:t>
             </a:r>
             <a:r>
-              <a:rPr lang="en-US" dirty="0" smtClean="0">
+              <a:rPr lang="en-US" dirty="0">
                 <a:solidFill>
                   <a:srgbClr val="FF0000"/>
                 </a:solidFill>
               </a:rPr>
               <a:t>teaching</a:t>
             </a:r>
-            <a:r>
-              <a:rPr lang="en-US" dirty="0" smtClean="0"/>
-              <a:t/>
-            </a:r>
             <a:br>
-              <a:rPr lang="en-US" dirty="0" smtClean="0"/>
+              <a:rPr lang="en-US" dirty="0"/>
             </a:br>
             <a:r>
-              <a:rPr lang="en-US" dirty="0" smtClean="0">
+              <a:rPr lang="en-US" dirty="0">
                 <a:solidFill>
                   <a:srgbClr val="FF0000"/>
                 </a:solidFill>
@@ -6206,10 +6009,9 @@
               <a:t>scientific computing</a:t>
             </a:r>
             <a:r>
-              <a:rPr lang="en-US" dirty="0" smtClean="0"/>
+              <a:rPr lang="en-US" dirty="0"/>
               <a:t>?</a:t>
             </a:r>
-            <a:endParaRPr lang="en-US" dirty="0"/>
           </a:p>
         </p:txBody>
       </p:sp>
@@ -6236,11 +6038,11 @@
           <a:lstStyle/>
           <a:p>
             <a:r>
-              <a:rPr lang="en-US" sz="2000" dirty="0" smtClean="0"/>
+              <a:rPr lang="en-US" sz="2000" dirty="0"/>
               <a:t>For the most part, these are </a:t>
             </a:r>
             <a:r>
-              <a:rPr lang="en-US" sz="2000" dirty="0" smtClean="0">
+              <a:rPr lang="en-US" sz="2000" dirty="0">
                 <a:solidFill>
                   <a:srgbClr val="0000FF"/>
                 </a:solidFill>
@@ -6248,17 +6050,17 @@
               <a:t>not hard-core programming courses</a:t>
             </a:r>
             <a:r>
-              <a:rPr lang="en-US" sz="2000" dirty="0" smtClean="0"/>
+              <a:rPr lang="en-US" sz="2000" dirty="0"/>
               <a:t>,</a:t>
             </a:r>
           </a:p>
           <a:p>
             <a:r>
-              <a:rPr lang="en-US" sz="2000" dirty="0" smtClean="0"/>
+              <a:rPr lang="en-US" sz="2000" dirty="0"/>
               <a:t>and we only need </a:t>
             </a:r>
             <a:r>
-              <a:rPr lang="en-US" sz="2000" dirty="0" smtClean="0">
+              <a:rPr lang="en-US" sz="2000" dirty="0">
                 <a:solidFill>
                   <a:srgbClr val="0000FF"/>
                 </a:solidFill>
@@ -6266,10 +6068,9 @@
               <a:t>little “throw-away” scripts </a:t>
             </a:r>
             <a:r>
-              <a:rPr lang="en-US" sz="2000" dirty="0" smtClean="0"/>
+              <a:rPr lang="en-US" sz="2000" dirty="0"/>
               <a:t>and toy numerical experiments.</a:t>
             </a:r>
-            <a:endParaRPr lang="en-US" sz="2000" dirty="0"/>
           </a:p>
         </p:txBody>
       </p:sp>
@@ -6296,7 +6097,7 @@
           <a:lstStyle/>
           <a:p>
             <a:r>
-              <a:rPr lang="en-US" sz="2800" dirty="0" smtClean="0">
+              <a:rPr lang="en-US" sz="2800" dirty="0">
                 <a:solidFill>
                   <a:srgbClr val="FF0000"/>
                 </a:solidFill>
@@ -6304,11 +6105,11 @@
               <a:t>Almost any </a:t>
             </a:r>
             <a:r>
-              <a:rPr lang="en-US" sz="2800" dirty="0" smtClean="0"/>
+              <a:rPr lang="en-US" sz="2800" dirty="0"/>
               <a:t>high-level, interactive </a:t>
             </a:r>
             <a:r>
-              <a:rPr lang="en-US" sz="2800" dirty="0" smtClean="0">
+              <a:rPr lang="en-US" sz="2800" dirty="0">
                 <a:solidFill>
                   <a:srgbClr val="FF0000"/>
                 </a:solidFill>
@@ -6316,11 +6117,11 @@
               <a:t>(dynamic) language </a:t>
             </a:r>
             <a:r>
-              <a:rPr lang="en-US" sz="2800" dirty="0" smtClean="0"/>
+              <a:rPr lang="en-US" sz="2800" dirty="0"/>
               <a:t>with </a:t>
             </a:r>
             <a:r>
-              <a:rPr lang="en-US" sz="2800" dirty="0" smtClean="0">
+              <a:rPr lang="en-US" sz="2800" dirty="0">
                 <a:solidFill>
                   <a:srgbClr val="FF0000"/>
                 </a:solidFill>
@@ -6328,11 +6129,11 @@
               <a:t>easy facilities </a:t>
             </a:r>
             <a:r>
-              <a:rPr lang="en-US" sz="2800" dirty="0" smtClean="0"/>
+              <a:rPr lang="en-US" sz="2800" dirty="0"/>
               <a:t>for </a:t>
             </a:r>
             <a:r>
-              <a:rPr lang="en-US" sz="2800" dirty="0" smtClean="0">
+              <a:rPr lang="en-US" sz="2800" dirty="0">
                 <a:solidFill>
                   <a:srgbClr val="0000FF"/>
                 </a:solidFill>
@@ -6340,19 +6141,19 @@
               <a:t>linear algebra </a:t>
             </a:r>
             <a:r>
-              <a:rPr lang="en-US" sz="2800" dirty="0" smtClean="0"/>
+              <a:rPr lang="en-US" sz="2800" dirty="0"/>
               <a:t>(Ax=b, Ax=</a:t>
             </a:r>
             <a:r>
-              <a:rPr lang="el-GR" sz="2800" dirty="0" smtClean="0"/>
+              <a:rPr lang="el-GR" sz="2800" dirty="0"/>
               <a:t>λ</a:t>
             </a:r>
             <a:r>
-              <a:rPr lang="en-US" sz="2800" dirty="0" smtClean="0"/>
+              <a:rPr lang="en-US" sz="2800" dirty="0"/>
               <a:t>x), </a:t>
             </a:r>
             <a:r>
-              <a:rPr lang="en-US" sz="2800" dirty="0" smtClean="0">
+              <a:rPr lang="en-US" sz="2800" dirty="0">
                 <a:solidFill>
                   <a:srgbClr val="0000FF"/>
                 </a:solidFill>
@@ -6360,11 +6161,11 @@
               <a:t>plotting</a:t>
             </a:r>
             <a:r>
-              <a:rPr lang="en-US" sz="2800" dirty="0" smtClean="0"/>
+              <a:rPr lang="en-US" sz="2800" dirty="0"/>
               <a:t>, </a:t>
             </a:r>
             <a:r>
-              <a:rPr lang="en-US" sz="2800" dirty="0" smtClean="0">
+              <a:rPr lang="en-US" sz="2800" dirty="0">
                 <a:solidFill>
                   <a:srgbClr val="0000FF"/>
                 </a:solidFill>
@@ -6372,11 +6173,11 @@
               <a:t>mathematical</a:t>
             </a:r>
             <a:r>
-              <a:rPr lang="en-US" sz="2800" dirty="0" smtClean="0"/>
+              <a:rPr lang="en-US" sz="2800" dirty="0"/>
               <a:t> functions, and working with large </a:t>
             </a:r>
             <a:r>
-              <a:rPr lang="en-US" sz="2800" dirty="0" smtClean="0">
+              <a:rPr lang="en-US" sz="2800" dirty="0">
                 <a:solidFill>
                   <a:srgbClr val="0000FF"/>
                 </a:solidFill>
@@ -6384,7 +6185,7 @@
               <a:t>arrays</a:t>
             </a:r>
             <a:r>
-              <a:rPr lang="en-US" sz="2800" dirty="0" smtClean="0"/>
+              <a:rPr lang="en-US" sz="2800" dirty="0"/>
               <a:t> of data would be fine.</a:t>
             </a:r>
           </a:p>
@@ -6394,10 +6195,9 @@
           <a:p>
             <a:pPr algn="ctr"/>
             <a:r>
-              <a:rPr lang="en-US" sz="2800" i="1" dirty="0" smtClean="0"/>
+              <a:rPr lang="en-US" sz="2800" i="1" dirty="0"/>
               <a:t>And there are lots of choices…</a:t>
             </a:r>
-            <a:endParaRPr lang="en-US" sz="2800" i="1" dirty="0"/>
           </a:p>
         </p:txBody>
       </p:sp>
@@ -6478,7 +6278,7 @@
           <a:lstStyle/>
           <a:p>
             <a:r>
-              <a:rPr lang="en-US" dirty="0" smtClean="0">
+              <a:rPr lang="en-US" dirty="0">
                 <a:solidFill>
                   <a:srgbClr val="FF0000"/>
                 </a:solidFill>
@@ -6486,22 +6286,17 @@
               <a:t>Lots of choices </a:t>
             </a:r>
             <a:r>
-              <a:rPr lang="en-US" dirty="0" smtClean="0"/>
+              <a:rPr lang="en-US" dirty="0"/>
               <a:t>for </a:t>
             </a:r>
             <a:r>
-              <a:rPr lang="en-US" dirty="0" smtClean="0">
+              <a:rPr lang="en-US" dirty="0">
                 <a:solidFill>
                   <a:srgbClr val="FF0000"/>
                 </a:solidFill>
               </a:rPr>
               <a:t>interactive math…</a:t>
             </a:r>
-            <a:endParaRPr lang="en-US" dirty="0">
-              <a:solidFill>
-                <a:srgbClr val="FF0000"/>
-              </a:solidFill>
-            </a:endParaRPr>
           </a:p>
         </p:txBody>
       </p:sp>
@@ -6528,10 +6323,9 @@
           <a:lstStyle/>
           <a:p>
             <a:r>
-              <a:rPr lang="en-US" dirty="0" smtClean="0"/>
+              <a:rPr lang="en-US" dirty="0"/>
               <a:t>[ image: Viral Shah ]</a:t>
             </a:r>
-            <a:endParaRPr lang="en-US" dirty="0"/>
           </a:p>
         </p:txBody>
       </p:sp>
@@ -6588,37 +6382,36 @@
           <a:lstStyle/>
           <a:p>
             <a:r>
-              <a:rPr lang="en-US" dirty="0" smtClean="0"/>
+              <a:rPr lang="en-US" dirty="0"/>
               <a:t>Just pick the most popular?</a:t>
             </a:r>
             <a:br>
-              <a:rPr lang="en-US" dirty="0" smtClean="0"/>
+              <a:rPr lang="en-US" dirty="0"/>
             </a:br>
             <a:r>
-              <a:rPr lang="en-US" i="1" dirty="0" err="1" smtClean="0"/>
+              <a:rPr lang="en-US" i="1" dirty="0" err="1"/>
               <a:t>Matlab</a:t>
             </a:r>
             <a:r>
-              <a:rPr lang="en-US" dirty="0" smtClean="0"/>
+              <a:rPr lang="en-US" dirty="0"/>
               <a:t> or </a:t>
             </a:r>
             <a:r>
-              <a:rPr lang="en-US" i="1" dirty="0" smtClean="0"/>
+              <a:rPr lang="en-US" i="1" dirty="0"/>
               <a:t>Python</a:t>
             </a:r>
             <a:r>
-              <a:rPr lang="en-US" dirty="0" smtClean="0"/>
+              <a:rPr lang="en-US" dirty="0"/>
               <a:t> or </a:t>
             </a:r>
             <a:r>
-              <a:rPr lang="en-US" i="1" dirty="0" smtClean="0"/>
+              <a:rPr lang="en-US" i="1" dirty="0"/>
               <a:t>R</a:t>
             </a:r>
             <a:r>
-              <a:rPr lang="en-US" dirty="0" smtClean="0"/>
+              <a:rPr lang="en-US" dirty="0"/>
               <a:t>?</a:t>
             </a:r>
-            <a:endParaRPr lang="en-US" dirty="0"/>
           </a:p>
         </p:txBody>
       </p:sp>
@@ -6646,11 +6439,11 @@
           <a:p>
             <a:pPr algn="ctr"/>
             <a:r>
-              <a:rPr lang="en-US" sz="4400" i="1" dirty="0" smtClean="0"/>
+              <a:rPr lang="en-US" sz="4400" i="1" dirty="0"/>
               <a:t>We feel </a:t>
             </a:r>
             <a:r>
-              <a:rPr lang="en-US" sz="4400" i="1" dirty="0" smtClean="0">
+              <a:rPr lang="en-US" sz="4400" i="1" dirty="0">
                 <a:solidFill>
                   <a:srgbClr val="0000FF"/>
                 </a:solidFill>
@@ -6658,14 +6451,14 @@
               <a:t>guilty pushing a language </a:t>
             </a:r>
             <a:r>
-              <a:rPr lang="en-US" sz="4400" i="1" dirty="0" smtClean="0"/>
+              <a:rPr lang="en-US" sz="4400" i="1" dirty="0"/>
               <a:t>on you that we</a:t>
             </a:r>
           </a:p>
           <a:p>
             <a:pPr algn="ctr"/>
             <a:r>
-              <a:rPr lang="en-US" sz="4400" i="1" dirty="0" smtClean="0">
+              <a:rPr lang="en-US" sz="4400" i="1" dirty="0">
                 <a:solidFill>
                   <a:srgbClr val="0000FF"/>
                 </a:solidFill>
@@ -6673,11 +6466,11 @@
               <a:t>are starting </a:t>
             </a:r>
             <a:r>
-              <a:rPr lang="en-US" sz="4400" i="1" dirty="0" smtClean="0"/>
+              <a:rPr lang="en-US" sz="4400" i="1" dirty="0"/>
               <a:t>to </a:t>
             </a:r>
             <a:r>
-              <a:rPr lang="en-US" sz="4400" i="1" dirty="0" smtClean="0">
+              <a:rPr lang="en-US" sz="4400" i="1" dirty="0">
                 <a:solidFill>
                   <a:srgbClr val="0000FF"/>
                 </a:solidFill>
@@ -6685,7 +6478,7 @@
               <a:t>abandon ourselves</a:t>
             </a:r>
             <a:r>
-              <a:rPr lang="en-US" sz="4400" i="1" dirty="0" smtClean="0"/>
+              <a:rPr lang="en-US" sz="4400" i="1" dirty="0"/>
               <a:t>.</a:t>
             </a:r>
           </a:p>
@@ -6696,14 +6489,14 @@
           <a:p>
             <a:pPr algn="ctr"/>
             <a:r>
-              <a:rPr lang="en-US" sz="4400" dirty="0" smtClean="0"/>
+              <a:rPr lang="en-US" sz="4400" dirty="0"/>
               <a:t>Traditional HL computing languages</a:t>
             </a:r>
           </a:p>
           <a:p>
             <a:pPr algn="ctr"/>
             <a:r>
-              <a:rPr lang="en-US" sz="4400" dirty="0" smtClean="0">
+              <a:rPr lang="en-US" sz="4400" dirty="0">
                 <a:solidFill>
                   <a:srgbClr val="FF0000"/>
                 </a:solidFill>
@@ -6711,22 +6504,22 @@
               <a:t>hit a performance wall </a:t>
             </a:r>
             <a:r>
-              <a:rPr lang="en-US" sz="4400" dirty="0" smtClean="0"/>
+              <a:rPr lang="en-US" sz="4400" dirty="0"/>
               <a:t>in “real” work</a:t>
             </a:r>
           </a:p>
           <a:p>
             <a:pPr algn="ctr"/>
             <a:r>
-              <a:rPr lang="en-US" sz="4400" dirty="0" smtClean="0"/>
+              <a:rPr lang="en-US" sz="4400" dirty="0"/>
               <a:t>… eventually force you to C, </a:t>
             </a:r>
             <a:r>
-              <a:rPr lang="en-US" sz="4400" dirty="0" err="1" smtClean="0"/>
+              <a:rPr lang="en-US" sz="4400" dirty="0" err="1"/>
               <a:t>Cython</a:t>
             </a:r>
             <a:r>
-              <a:rPr lang="en-US" sz="4400" dirty="0" smtClean="0"/>
+              <a:rPr lang="en-US" sz="4400" dirty="0"/>
               <a:t>, …</a:t>
             </a:r>
           </a:p>
@@ -6783,10 +6576,9 @@
           <a:lstStyle/>
           <a:p>
             <a:r>
-              <a:rPr lang="en-US" dirty="0" smtClean="0"/>
+              <a:rPr lang="en-US" dirty="0"/>
               <a:t>A new programming language?</a:t>
             </a:r>
-            <a:endParaRPr lang="en-US" dirty="0"/>
           </a:p>
         </p:txBody>
       </p:sp>
@@ -6933,7 +6725,7 @@
           <a:lstStyle/>
           <a:p>
             <a:r>
-              <a:rPr lang="en-US" sz="2400" u="sng" dirty="0" err="1" smtClean="0">
+              <a:rPr lang="en-US" sz="2400" u="sng" dirty="0" err="1">
                 <a:solidFill>
                   <a:srgbClr val="FF0000"/>
                 </a:solidFill>
@@ -6956,8 +6748,8 @@
         </p:nvSpPr>
         <p:spPr>
           <a:xfrm>
-            <a:off x="4674917" y="4045691"/>
-            <a:ext cx="4190314" cy="646331"/>
+            <a:off x="4674949" y="4045691"/>
+            <a:ext cx="4190250" cy="923330"/>
           </a:xfrm>
           <a:prstGeom prst="rect">
             <a:avLst/>
@@ -6972,49 +6764,23 @@
           <a:p>
             <a:pPr algn="ctr"/>
             <a:r>
-              <a:rPr lang="en-US" dirty="0" smtClean="0"/>
-              <a:t>[begun 2009, “0.1” in 2013, </a:t>
-            </a:r>
-            <a:r>
-              <a:rPr lang="en-US" dirty="0" smtClean="0"/>
-              <a:t>~</a:t>
-            </a:r>
-            <a:r>
-              <a:rPr lang="en-US" dirty="0" smtClean="0"/>
-              <a:t>40</a:t>
-            </a:r>
-            <a:r>
-              <a:rPr lang="en-US" dirty="0" smtClean="0"/>
-              <a:t>k </a:t>
-            </a:r>
-            <a:r>
-              <a:rPr lang="en-US" dirty="0" smtClean="0"/>
-              <a:t>commits,</a:t>
+              <a:rPr lang="en-US" dirty="0"/>
+              <a:t>[begun 2009, “0.1” in 2013, ~40k commits,</a:t>
             </a:r>
           </a:p>
           <a:p>
             <a:pPr algn="ctr"/>
             <a:r>
-              <a:rPr lang="en-US" dirty="0" smtClean="0"/>
-              <a:t>“</a:t>
-            </a:r>
-            <a:r>
-              <a:rPr lang="en-US" dirty="0" smtClean="0"/>
-              <a:t>0.6” </a:t>
-            </a:r>
-            <a:r>
-              <a:rPr lang="en-US" dirty="0" smtClean="0"/>
-              <a:t>release in </a:t>
-            </a:r>
-            <a:r>
-              <a:rPr lang="en-US" dirty="0" smtClean="0"/>
-              <a:t>June 2017 </a:t>
-            </a:r>
-            <a:r>
-              <a:rPr lang="en-US" dirty="0" smtClean="0"/>
-              <a:t>]</a:t>
-            </a:r>
-            <a:endParaRPr lang="en-US" dirty="0"/>
+              <a:rPr lang="en-US" dirty="0"/>
+              <a:t>“0.6” release in June 2017,</a:t>
+            </a:r>
+          </a:p>
+          <a:p>
+            <a:pPr algn="ctr"/>
+            <a:r>
+              <a:rPr lang="en-US" dirty="0"/>
+              <a:t>1.0 release in August 2018 ]</a:t>
+            </a:r>
           </a:p>
         </p:txBody>
       </p:sp>
@@ -7041,12 +6807,53 @@
           <a:lstStyle/>
           <a:p>
             <a:r>
-              <a:rPr lang="en-US" dirty="0" smtClean="0">
+              <a:rPr lang="en-US" dirty="0">
                 <a:solidFill>
                   <a:srgbClr val="0000FF"/>
                 </a:solidFill>
               </a:rPr>
               <a:t>Alan Edelman</a:t>
+            </a:r>
+          </a:p>
+        </p:txBody>
+      </p:sp>
+      <p:sp>
+        <p:nvSpPr>
+          <p:cNvPr id="11" name="TextBox 10"/>
+          <p:cNvSpPr txBox="1"/>
+          <p:nvPr/>
+        </p:nvSpPr>
+        <p:spPr>
+          <a:xfrm>
+            <a:off x="127489" y="1328586"/>
+            <a:ext cx="1456724" cy="369332"/>
+          </a:xfrm>
+          <a:prstGeom prst="rect">
+            <a:avLst/>
+          </a:prstGeom>
+          <a:noFill/>
+        </p:spPr>
+        <p:txBody>
+          <a:bodyPr wrap="none" rtlCol="0">
+            <a:spAutoFit/>
+          </a:bodyPr>
+          <a:lstStyle/>
+          <a:p>
+            <a:r>
+              <a:rPr lang="en-US" dirty="0">
+                <a:solidFill>
+                  <a:srgbClr val="0000FF"/>
+                </a:solidFill>
+              </a:rPr>
+              <a:t>Jeff </a:t>
+            </a:r>
+            <a:r>
+              <a:rPr lang="en-US" dirty="0" err="1">
+                <a:solidFill>
+                  <a:srgbClr val="0000FF"/>
+                </a:solidFill>
+              </a:rPr>
+              <a:t>Bezanson</a:t>
             </a:r>
             <a:endParaRPr lang="en-US" dirty="0">
               <a:solidFill>
@@ -7058,14 +6865,14 @@
       </p:sp>
       <p:sp>
         <p:nvSpPr>
-          <p:cNvPr id="11" name="TextBox 10"/>
+          <p:cNvPr id="13" name="TextBox 12"/>
           <p:cNvSpPr txBox="1"/>
           <p:nvPr/>
         </p:nvSpPr>
         <p:spPr>
           <a:xfrm>
-            <a:off x="127489" y="1328586"/>
-            <a:ext cx="1456724" cy="369332"/>
+            <a:off x="1651059" y="938002"/>
+            <a:ext cx="1124001" cy="369332"/>
           </a:xfrm>
           <a:prstGeom prst="rect">
             <a:avLst/>
@@ -7079,20 +6886,53 @@
           <a:lstStyle/>
           <a:p>
             <a:r>
-              <a:rPr lang="en-US" dirty="0" smtClean="0">
+              <a:rPr lang="en-US" dirty="0">
                 <a:solidFill>
                   <a:srgbClr val="0000FF"/>
                 </a:solidFill>
               </a:rPr>
-              <a:t>Jeff </a:t>
-            </a:r>
-            <a:r>
-              <a:rPr lang="en-US" dirty="0" err="1" smtClean="0">
+              <a:t>Viral Shah</a:t>
+            </a:r>
+          </a:p>
+        </p:txBody>
+      </p:sp>
+      <p:sp>
+        <p:nvSpPr>
+          <p:cNvPr id="14" name="TextBox 13"/>
+          <p:cNvSpPr txBox="1"/>
+          <p:nvPr/>
+        </p:nvSpPr>
+        <p:spPr>
+          <a:xfrm>
+            <a:off x="1350251" y="3784447"/>
+            <a:ext cx="1692065" cy="369332"/>
+          </a:xfrm>
+          <a:prstGeom prst="rect">
+            <a:avLst/>
+          </a:prstGeom>
+          <a:noFill/>
+        </p:spPr>
+        <p:txBody>
+          <a:bodyPr wrap="none" rtlCol="0">
+            <a:spAutoFit/>
+          </a:bodyPr>
+          <a:lstStyle/>
+          <a:p>
+            <a:r>
+              <a:rPr lang="en-US" dirty="0">
                 <a:solidFill>
                   <a:srgbClr val="0000FF"/>
                 </a:solidFill>
               </a:rPr>
-              <a:t>Bezanson</a:t>
+              <a:t>Stefan </a:t>
+            </a:r>
+            <a:r>
+              <a:rPr lang="en-US" dirty="0" err="1">
+                <a:solidFill>
+                  <a:srgbClr val="0000FF"/>
+                </a:solidFill>
+              </a:rPr>
+              <a:t>Karpinski</a:t>
             </a:r>
             <a:endParaRPr lang="en-US" dirty="0">
               <a:solidFill>
@@ -7104,14 +6944,14 @@
       </p:sp>
       <p:sp>
         <p:nvSpPr>
-          <p:cNvPr id="13" name="TextBox 12"/>
+          <p:cNvPr id="15" name="TextBox 14"/>
           <p:cNvSpPr txBox="1"/>
           <p:nvPr/>
         </p:nvSpPr>
         <p:spPr>
           <a:xfrm>
-            <a:off x="1651059" y="938002"/>
-            <a:ext cx="1124001" cy="369332"/>
+            <a:off x="-350390" y="4230357"/>
+            <a:ext cx="5052397" cy="646331"/>
           </a:xfrm>
           <a:prstGeom prst="rect">
             <a:avLst/>
@@ -7124,32 +6964,71 @@
           </a:bodyPr>
           <a:lstStyle/>
           <a:p>
-            <a:r>
-              <a:rPr lang="en-US" dirty="0" smtClean="0">
+            <a:pPr algn="ctr"/>
+            <a:r>
+              <a:rPr lang="en-US" dirty="0">
                 <a:solidFill>
                   <a:srgbClr val="0000FF"/>
                 </a:solidFill>
               </a:rPr>
-              <a:t>Viral Shah</a:t>
-            </a:r>
-            <a:endParaRPr lang="en-US" dirty="0">
-              <a:solidFill>
-                <a:srgbClr val="0000FF"/>
-              </a:solidFill>
-            </a:endParaRPr>
-          </a:p>
-        </p:txBody>
-      </p:sp>
-      <p:sp>
-        <p:nvSpPr>
-          <p:cNvPr id="14" name="TextBox 13"/>
+              <a:t>[ 30+ developers with 100+ commits,</a:t>
+            </a:r>
+          </a:p>
+          <a:p>
+            <a:pPr algn="ctr"/>
+            <a:r>
+              <a:rPr lang="en-US" dirty="0">
+                <a:solidFill>
+                  <a:srgbClr val="0000FF"/>
+                </a:solidFill>
+              </a:rPr>
+              <a:t>	1000+ external packages, 4</a:t>
+            </a:r>
+            <a:r>
+              <a:rPr lang="en-US" baseline="30000" dirty="0">
+                <a:solidFill>
+                  <a:srgbClr val="0000FF"/>
+                </a:solidFill>
+              </a:rPr>
+              <a:t>th</a:t>
+            </a:r>
+            <a:r>
+              <a:rPr lang="en-US" dirty="0">
+                <a:solidFill>
+                  <a:srgbClr val="0000FF"/>
+                </a:solidFill>
+              </a:rPr>
+              <a:t> </a:t>
+            </a:r>
+            <a:r>
+              <a:rPr lang="en-US" dirty="0" err="1">
+                <a:solidFill>
+                  <a:srgbClr val="0000FF"/>
+                </a:solidFill>
+              </a:rPr>
+              <a:t>JuliaCon</a:t>
+            </a:r>
+            <a:r>
+              <a:rPr lang="en-US" dirty="0">
+                <a:solidFill>
+                  <a:srgbClr val="0000FF"/>
+                </a:solidFill>
+              </a:rPr>
+              <a:t> in 2017 ]</a:t>
+            </a:r>
+          </a:p>
+        </p:txBody>
+      </p:sp>
+      <p:sp>
+        <p:nvSpPr>
+          <p:cNvPr id="12" name="TextBox 11"/>
           <p:cNvSpPr txBox="1"/>
           <p:nvPr/>
         </p:nvSpPr>
         <p:spPr>
           <a:xfrm>
-            <a:off x="1350251" y="3784447"/>
-            <a:ext cx="1692065" cy="369332"/>
+            <a:off x="3202689" y="3136789"/>
+            <a:ext cx="798604" cy="369332"/>
           </a:xfrm>
           <a:prstGeom prst="rect">
             <a:avLst/>
@@ -7163,39 +7042,22 @@
           <a:lstStyle/>
           <a:p>
             <a:r>
-              <a:rPr lang="en-US" dirty="0" smtClean="0">
-                <a:solidFill>
-                  <a:srgbClr val="0000FF"/>
-                </a:solidFill>
-              </a:rPr>
-              <a:t>Stefan </a:t>
-            </a:r>
-            <a:r>
-              <a:rPr lang="en-US" dirty="0" err="1" smtClean="0">
-                <a:solidFill>
-                  <a:srgbClr val="0000FF"/>
-                </a:solidFill>
-              </a:rPr>
-              <a:t>Karpinski</a:t>
-            </a:r>
-            <a:endParaRPr lang="en-US" dirty="0">
-              <a:solidFill>
-                <a:srgbClr val="0000FF"/>
-              </a:solidFill>
-            </a:endParaRPr>
-          </a:p>
-        </p:txBody>
-      </p:sp>
-      <p:sp>
-        <p:nvSpPr>
-          <p:cNvPr id="15" name="TextBox 14"/>
+              <a:rPr lang="en-US" dirty="0"/>
+              <a:t>[ MIT ]</a:t>
+            </a:r>
+          </a:p>
+        </p:txBody>
+      </p:sp>
+      <p:sp>
+        <p:nvSpPr>
+          <p:cNvPr id="21" name="TextBox 20"/>
           <p:cNvSpPr txBox="1"/>
           <p:nvPr/>
         </p:nvSpPr>
         <p:spPr>
           <a:xfrm>
-            <a:off x="-350390" y="4230357"/>
-            <a:ext cx="5052397" cy="646331"/>
+            <a:off x="395627" y="5015624"/>
+            <a:ext cx="8229600" cy="1569660"/>
           </a:xfrm>
           <a:prstGeom prst="rect">
             <a:avLst/>
@@ -7203,150 +7065,6 @@
           <a:noFill/>
         </p:spPr>
         <p:txBody>
-          <a:bodyPr wrap="none" rtlCol="0">
-            <a:spAutoFit/>
-          </a:bodyPr>
-          <a:lstStyle/>
-          <a:p>
-            <a:pPr algn="ctr"/>
-            <a:r>
-              <a:rPr lang="en-US" dirty="0" smtClean="0">
-                <a:solidFill>
-                  <a:srgbClr val="0000FF"/>
-                </a:solidFill>
-              </a:rPr>
-              <a:t>[ 30+ developers with 100+ commits,</a:t>
-            </a:r>
-          </a:p>
-          <a:p>
-            <a:pPr algn="ctr"/>
-            <a:r>
-              <a:rPr lang="en-US" dirty="0">
-                <a:solidFill>
-                  <a:srgbClr val="0000FF"/>
-                </a:solidFill>
-              </a:rPr>
-              <a:t>	</a:t>
-            </a:r>
-            <a:r>
-              <a:rPr lang="en-US" dirty="0" smtClean="0">
-                <a:solidFill>
-                  <a:srgbClr val="0000FF"/>
-                </a:solidFill>
-              </a:rPr>
-              <a:t>1000+ external packages, </a:t>
-            </a:r>
-            <a:r>
-              <a:rPr lang="en-US" dirty="0" smtClean="0">
-                <a:solidFill>
-                  <a:srgbClr val="0000FF"/>
-                </a:solidFill>
-              </a:rPr>
-              <a:t>4</a:t>
-            </a:r>
-            <a:r>
-              <a:rPr lang="en-US" baseline="30000" dirty="0" smtClean="0">
-                <a:solidFill>
-                  <a:srgbClr val="0000FF"/>
-                </a:solidFill>
-              </a:rPr>
-              <a:t>th</a:t>
-            </a:r>
-            <a:r>
-              <a:rPr lang="en-US" dirty="0" smtClean="0">
-                <a:solidFill>
-                  <a:srgbClr val="0000FF"/>
-                </a:solidFill>
-              </a:rPr>
-              <a:t> </a:t>
-            </a:r>
-            <a:r>
-              <a:rPr lang="en-US" dirty="0" err="1" smtClean="0">
-                <a:solidFill>
-                  <a:srgbClr val="0000FF"/>
-                </a:solidFill>
-              </a:rPr>
-              <a:t>JuliaCon</a:t>
-            </a:r>
-            <a:r>
-              <a:rPr lang="en-US" dirty="0" smtClean="0">
-                <a:solidFill>
-                  <a:srgbClr val="0000FF"/>
-                </a:solidFill>
-              </a:rPr>
-              <a:t> in </a:t>
-            </a:r>
-            <a:r>
-              <a:rPr lang="en-US" dirty="0" smtClean="0">
-                <a:solidFill>
-                  <a:srgbClr val="0000FF"/>
-                </a:solidFill>
-              </a:rPr>
-              <a:t>2017 </a:t>
-            </a:r>
-            <a:r>
-              <a:rPr lang="en-US" dirty="0" smtClean="0">
-                <a:solidFill>
-                  <a:srgbClr val="0000FF"/>
-                </a:solidFill>
-              </a:rPr>
-              <a:t>]</a:t>
-            </a:r>
-            <a:endParaRPr lang="en-US" dirty="0">
-              <a:solidFill>
-                <a:srgbClr val="0000FF"/>
-              </a:solidFill>
-            </a:endParaRPr>
-          </a:p>
-        </p:txBody>
-      </p:sp>
-      <p:sp>
-        <p:nvSpPr>
-          <p:cNvPr id="12" name="TextBox 11"/>
-          <p:cNvSpPr txBox="1"/>
-          <p:nvPr/>
-        </p:nvSpPr>
-        <p:spPr>
-          <a:xfrm>
-            <a:off x="3202689" y="3136789"/>
-            <a:ext cx="798604" cy="369332"/>
-          </a:xfrm>
-          <a:prstGeom prst="rect">
-            <a:avLst/>
-          </a:prstGeom>
-          <a:noFill/>
-        </p:spPr>
-        <p:txBody>
-          <a:bodyPr wrap="none" rtlCol="0">
-            <a:spAutoFit/>
-          </a:bodyPr>
-          <a:lstStyle/>
-          <a:p>
-            <a:r>
-              <a:rPr lang="en-US" dirty="0" smtClean="0"/>
-              <a:t>[ MIT ]</a:t>
-            </a:r>
-            <a:endParaRPr lang="en-US" dirty="0"/>
-          </a:p>
-        </p:txBody>
-      </p:sp>
-      <p:sp>
-        <p:nvSpPr>
-          <p:cNvPr id="21" name="TextBox 20"/>
-          <p:cNvSpPr txBox="1"/>
-          <p:nvPr/>
-        </p:nvSpPr>
-        <p:spPr>
-          <a:xfrm>
-            <a:off x="395627" y="5015624"/>
-            <a:ext cx="8229600" cy="1569660"/>
-          </a:xfrm>
-          <a:prstGeom prst="rect">
-            <a:avLst/>
-          </a:prstGeom>
-          <a:noFill/>
-        </p:spPr>
-        <p:txBody>
           <a:bodyPr wrap="square" rtlCol="0">
             <a:spAutoFit/>
           </a:bodyPr>
@@ -7354,11 +7072,11 @@
           <a:p>
             <a:pPr algn="ctr"/>
             <a:r>
-              <a:rPr lang="en-US" sz="2400" dirty="0" smtClean="0"/>
+              <a:rPr lang="en-US" sz="2400" dirty="0"/>
               <a:t>As </a:t>
             </a:r>
             <a:r>
-              <a:rPr lang="en-US" sz="2400" dirty="0" smtClean="0">
+              <a:rPr lang="en-US" sz="2400" dirty="0">
                 <a:solidFill>
                   <a:srgbClr val="FF0000"/>
                 </a:solidFill>
@@ -7366,34 +7084,34 @@
               <a:t>high-level and interactive </a:t>
             </a:r>
             <a:r>
-              <a:rPr lang="en-US" sz="2400" dirty="0" smtClean="0"/>
+              <a:rPr lang="en-US" sz="2400" dirty="0"/>
               <a:t>as </a:t>
             </a:r>
             <a:r>
-              <a:rPr lang="en-US" sz="2400" dirty="0" err="1" smtClean="0"/>
+              <a:rPr lang="en-US" sz="2400" dirty="0" err="1"/>
               <a:t>Matlab</a:t>
             </a:r>
             <a:r>
-              <a:rPr lang="en-US" sz="2400" dirty="0" smtClean="0"/>
+              <a:rPr lang="en-US" sz="2400" dirty="0"/>
               <a:t> or </a:t>
             </a:r>
             <a:r>
-              <a:rPr lang="en-US" sz="2400" dirty="0" err="1" smtClean="0"/>
+              <a:rPr lang="en-US" sz="2400" dirty="0" err="1"/>
               <a:t>Python+IPython</a:t>
             </a:r>
             <a:r>
-              <a:rPr lang="en-US" sz="2400" dirty="0" smtClean="0"/>
+              <a:rPr lang="en-US" sz="2400" dirty="0"/>
               <a:t>,</a:t>
             </a:r>
           </a:p>
           <a:p>
             <a:pPr algn="ctr"/>
             <a:r>
-              <a:rPr lang="en-US" sz="2400" dirty="0" smtClean="0"/>
+              <a:rPr lang="en-US" sz="2400" dirty="0"/>
               <a:t>as </a:t>
             </a:r>
             <a:r>
-              <a:rPr lang="en-US" sz="2400" dirty="0" smtClean="0">
+              <a:rPr lang="en-US" sz="2400" dirty="0">
                 <a:solidFill>
                   <a:srgbClr val="FF0000"/>
                 </a:solidFill>
@@ -7401,18 +7119,18 @@
               <a:t>general-purpose </a:t>
             </a:r>
             <a:r>
-              <a:rPr lang="en-US" sz="2400" dirty="0" smtClean="0"/>
+              <a:rPr lang="en-US" sz="2400" dirty="0"/>
               <a:t>as Python,</a:t>
             </a:r>
           </a:p>
           <a:p>
             <a:pPr algn="ctr"/>
             <a:r>
-              <a:rPr lang="en-US" sz="2400" dirty="0" smtClean="0"/>
+              <a:rPr lang="en-US" sz="2400" dirty="0"/>
               <a:t>as productive for </a:t>
             </a:r>
             <a:r>
-              <a:rPr lang="en-US" sz="2400" dirty="0" smtClean="0">
+              <a:rPr lang="en-US" sz="2400" dirty="0">
                 <a:solidFill>
                   <a:srgbClr val="FF0000"/>
                 </a:solidFill>
@@ -7420,34 +7138,34 @@
               <a:t>technical</a:t>
             </a:r>
             <a:r>
-              <a:rPr lang="en-US" sz="2400" dirty="0" smtClean="0"/>
+              <a:rPr lang="en-US" sz="2400" dirty="0"/>
               <a:t> work as </a:t>
             </a:r>
             <a:r>
-              <a:rPr lang="en-US" sz="2400" dirty="0" err="1" smtClean="0"/>
+              <a:rPr lang="en-US" sz="2400" dirty="0" err="1"/>
               <a:t>Matlab</a:t>
             </a:r>
             <a:r>
-              <a:rPr lang="en-US" sz="2400" dirty="0" smtClean="0"/>
+              <a:rPr lang="en-US" sz="2400" dirty="0"/>
               <a:t> or </a:t>
             </a:r>
             <a:r>
-              <a:rPr lang="en-US" sz="2400" dirty="0" err="1" smtClean="0"/>
+              <a:rPr lang="en-US" sz="2400" dirty="0" err="1"/>
               <a:t>Python+SciPy</a:t>
             </a:r>
             <a:r>
-              <a:rPr lang="en-US" sz="2400" dirty="0" smtClean="0"/>
+              <a:rPr lang="en-US" sz="2400" dirty="0"/>
               <a:t>,</a:t>
             </a:r>
           </a:p>
           <a:p>
             <a:pPr algn="ctr"/>
             <a:r>
-              <a:rPr lang="en-US" sz="2400" dirty="0" smtClean="0"/>
+              <a:rPr lang="en-US" sz="2400" dirty="0"/>
               <a:t>but as </a:t>
             </a:r>
             <a:r>
-              <a:rPr lang="en-US" sz="2400" b="1" dirty="0" smtClean="0">
+              <a:rPr lang="en-US" sz="2400" b="1" dirty="0">
                 <a:solidFill>
                   <a:srgbClr val="0000FF"/>
                 </a:solidFill>
@@ -7455,10 +7173,9 @@
               <a:t>fast as C</a:t>
             </a:r>
             <a:r>
-              <a:rPr lang="en-US" sz="2400" dirty="0" smtClean="0"/>
+              <a:rPr lang="en-US" sz="2400" dirty="0"/>
               <a:t>.</a:t>
             </a:r>
-            <a:endParaRPr lang="en-US" sz="2400" dirty="0"/>
           </a:p>
         </p:txBody>
       </p:sp>
@@ -7472,13 +7189,6 @@
   <p:clrMapOvr>
     <a:masterClrMapping/>
   </p:clrMapOvr>
-  <p:timing>
-    <p:tnLst>
-      <p:par>
-        <p:cTn id="1" dur="indefinite" restart="never" nodeType="tmRoot"/>
-      </p:par>
-    </p:tnLst>
-  </p:timing>
 </p:sld>
 </file>
 
@@ -7523,13 +7233,8 @@
           <a:p>
             <a:r>
               <a:rPr lang="en-US" sz="3600" dirty="0"/>
-              <a:t>P</a:t>
-            </a:r>
-            <a:r>
-              <a:rPr lang="en-US" sz="3600" dirty="0" smtClean="0"/>
-              <a:t>erformance on synthetic benchmarks</a:t>
-            </a:r>
-            <a:endParaRPr lang="en-US" sz="3600" dirty="0"/>
+              <a:t>Performance on synthetic benchmarks</a:t>
+            </a:r>
           </a:p>
         </p:txBody>
       </p:sp>
@@ -7580,10 +7285,9 @@
           <a:lstStyle/>
           <a:p>
             <a:r>
-              <a:rPr lang="en-US" dirty="0" smtClean="0"/>
+              <a:rPr lang="en-US" dirty="0"/>
               <a:t>[ loops, recursion, etc., implemented in most straightforward style ]</a:t>
             </a:r>
-            <a:endParaRPr lang="en-US" dirty="0"/>
           </a:p>
         </p:txBody>
       </p:sp>
@@ -7610,10 +7314,9 @@
           <a:lstStyle/>
           <a:p>
             <a:r>
-              <a:rPr lang="en-US" dirty="0" smtClean="0"/>
+              <a:rPr lang="en-US" dirty="0"/>
               <a:t>(normalized so that C speed = 1)</a:t>
             </a:r>
-            <a:endParaRPr lang="en-US" dirty="0"/>
           </a:p>
         </p:txBody>
       </p:sp>
@@ -7627,21 +7330,6 @@
   <p:clrMapOvr>
     <a:masterClrMapping/>
   </p:clrMapOvr>
-  <mc:AlternateContent xmlns:mc="http://schemas.openxmlformats.org/markup-compatibility/2006" xmlns:p14="http://schemas.microsoft.com/office/powerpoint/2010/main">
-    <mc:Choice Requires="p14">
-      <p:transition spd="slow" p14:dur="2000"/>
-    </mc:Choice>
-    <mc:Fallback xmlns="">
-      <p:transition xmlns:p14="http://schemas.microsoft.com/office/powerpoint/2010/main" spd="slow"/>
-    </mc:Fallback>
-  </mc:AlternateContent>
-  <p:timing>
-    <p:tnLst>
-      <p:par>
-        <p:cTn id="1" dur="indefinite" restart="never" nodeType="tmRoot"/>
-      </p:par>
-    </p:tnLst>
-  </p:timing>
 </p:sld>
 </file>
 
@@ -7683,10 +7371,9 @@
           <a:lstStyle/>
           <a:p>
             <a:r>
-              <a:rPr lang="en-US" dirty="0" smtClean="0"/>
+              <a:rPr lang="en-US" dirty="0"/>
               <a:t>Special Functions in Julia</a:t>
             </a:r>
-            <a:endParaRPr lang="en-US" dirty="0"/>
           </a:p>
         </p:txBody>
       </p:sp>
@@ -7713,11 +7400,11 @@
           <a:lstStyle/>
           <a:p>
             <a:r>
-              <a:rPr lang="en-US" dirty="0" smtClean="0"/>
+              <a:rPr lang="en-US" dirty="0"/>
               <a:t>Special functions s(x): </a:t>
             </a:r>
             <a:r>
-              <a:rPr lang="en-US" dirty="0" smtClean="0">
+              <a:rPr lang="en-US" dirty="0">
                 <a:solidFill>
                   <a:srgbClr val="0000FF"/>
                 </a:solidFill>
@@ -7725,7 +7412,7 @@
               <a:t>classic case that cannot be </a:t>
             </a:r>
             <a:r>
-              <a:rPr lang="en-US" dirty="0" err="1" smtClean="0">
+              <a:rPr lang="en-US" dirty="0" err="1">
                 <a:solidFill>
                   <a:srgbClr val="0000FF"/>
                 </a:solidFill>
@@ -7733,7 +7420,7 @@
               <a:t>vectorized</a:t>
             </a:r>
             <a:r>
-              <a:rPr lang="en-US" dirty="0" smtClean="0">
+              <a:rPr lang="en-US" dirty="0">
                 <a:solidFill>
                   <a:srgbClr val="0000FF"/>
                 </a:solidFill>
@@ -7744,13 +7431,8 @@
           <a:p>
             <a:r>
               <a:rPr lang="en-US" dirty="0"/>
-              <a:t>	</a:t>
-            </a:r>
-            <a:r>
-              <a:rPr lang="en-US" dirty="0" smtClean="0"/>
-              <a:t>				… switch between various polynomials depending on x</a:t>
-            </a:r>
-            <a:endParaRPr lang="en-US" dirty="0"/>
+              <a:t>					… switch between various polynomials depending on x</a:t>
+            </a:r>
           </a:p>
         </p:txBody>
       </p:sp>
@@ -7778,18 +7460,18 @@
           <a:p>
             <a:pPr algn="ctr"/>
             <a:r>
-              <a:rPr lang="en-US" sz="2400" dirty="0" smtClean="0"/>
+              <a:rPr lang="en-US" sz="2400" dirty="0"/>
               <a:t>Many of Julia’s special functions come from the usual C/Fortran libraries,</a:t>
             </a:r>
           </a:p>
           <a:p>
             <a:pPr algn="ctr"/>
             <a:r>
-              <a:rPr lang="en-US" sz="2400" dirty="0" smtClean="0"/>
+              <a:rPr lang="en-US" sz="2400" dirty="0"/>
               <a:t>but </a:t>
             </a:r>
             <a:r>
-              <a:rPr lang="en-US" sz="2400" dirty="0" smtClean="0">
+              <a:rPr lang="en-US" sz="2400" dirty="0">
                 <a:solidFill>
                   <a:srgbClr val="0000FF"/>
                 </a:solidFill>
@@ -7797,11 +7479,11 @@
               <a:t>some </a:t>
             </a:r>
             <a:r>
-              <a:rPr lang="en-US" sz="2400" dirty="0" smtClean="0"/>
+              <a:rPr lang="en-US" sz="2400" dirty="0"/>
               <a:t>are written in </a:t>
             </a:r>
             <a:r>
-              <a:rPr lang="en-US" sz="2400" dirty="0" smtClean="0">
+              <a:rPr lang="en-US" sz="2400" dirty="0">
                 <a:solidFill>
                   <a:srgbClr val="0000FF"/>
                 </a:solidFill>
@@ -7809,10 +7491,9 @@
               <a:t>pure Julia </a:t>
             </a:r>
             <a:r>
-              <a:rPr lang="en-US" sz="2400" dirty="0" smtClean="0"/>
+              <a:rPr lang="en-US" sz="2400" dirty="0"/>
               <a:t>code.</a:t>
             </a:r>
-            <a:endParaRPr lang="en-US" sz="2400" dirty="0"/>
           </a:p>
         </p:txBody>
       </p:sp>
@@ -7839,11 +7520,11 @@
           <a:lstStyle/>
           <a:p>
             <a:r>
-              <a:rPr lang="en-US" sz="2000" dirty="0" smtClean="0"/>
+              <a:rPr lang="en-US" sz="2000" dirty="0"/>
               <a:t>Pure Julia </a:t>
             </a:r>
             <a:r>
-              <a:rPr lang="en-US" sz="2000" dirty="0" err="1" smtClean="0">
+              <a:rPr lang="en-US" sz="2000" dirty="0" err="1">
                 <a:solidFill>
                   <a:srgbClr val="0000FF"/>
                 </a:solidFill>
@@ -7851,7 +7532,7 @@
               <a:t>erfinv</a:t>
             </a:r>
             <a:r>
-              <a:rPr lang="en-US" sz="2000" dirty="0" smtClean="0">
+              <a:rPr lang="en-US" sz="2000" dirty="0">
                 <a:solidFill>
                   <a:srgbClr val="0000FF"/>
                 </a:solidFill>
@@ -7859,19 +7540,19 @@
               <a:t>(x) </a:t>
             </a:r>
             <a:r>
-              <a:rPr lang="en-US" sz="2000" dirty="0" smtClean="0"/>
+              <a:rPr lang="en-US" sz="2000" dirty="0"/>
               <a:t>[ = </a:t>
             </a:r>
             <a:r>
-              <a:rPr lang="en-US" sz="2000" dirty="0" err="1" smtClean="0"/>
+              <a:rPr lang="en-US" sz="2000" dirty="0" err="1"/>
               <a:t>erf</a:t>
             </a:r>
             <a:r>
-              <a:rPr lang="en-US" sz="2000" baseline="30000" dirty="0" smtClean="0"/>
+              <a:rPr lang="en-US" sz="2000" baseline="30000" dirty="0"/>
               <a:t>–1</a:t>
             </a:r>
             <a:r>
-              <a:rPr lang="en-US" sz="2000" dirty="0" smtClean="0"/>
+              <a:rPr lang="en-US" sz="2000" dirty="0"/>
               <a:t>(x) ]</a:t>
             </a:r>
           </a:p>
@@ -7882,23 +7563,7 @@
                   <a:srgbClr val="FF0000"/>
                 </a:solidFill>
               </a:rPr>
-              <a:t>	</a:t>
-            </a:r>
-            <a:r>
-              <a:rPr lang="en-US" sz="2000" dirty="0" smtClean="0">
-                <a:solidFill>
-                  <a:srgbClr val="FF0000"/>
-                </a:solidFill>
-              </a:rPr>
-              <a:t>	3</a:t>
-            </a:r>
-            <a:r>
-              <a:rPr lang="en-US" sz="2000" dirty="0">
-                <a:solidFill>
-                  <a:srgbClr val="FF0000"/>
-                </a:solidFill>
-              </a:rPr>
-              <a:t>–4× faster than </a:t>
+              <a:t>		3–4× faster than </a:t>
             </a:r>
             <a:r>
               <a:rPr lang="en-US" sz="2000" dirty="0" err="1">
@@ -7985,11 +7650,11 @@
           <a:lstStyle/>
           <a:p>
             <a:r>
-              <a:rPr lang="en-US" sz="2000" dirty="0" smtClean="0"/>
+              <a:rPr lang="en-US" sz="2000" dirty="0"/>
               <a:t>Pure Julia </a:t>
             </a:r>
             <a:r>
-              <a:rPr lang="en-US" sz="2000" dirty="0" err="1" smtClean="0">
+              <a:rPr lang="en-US" sz="2000" dirty="0" err="1">
                 <a:solidFill>
                   <a:srgbClr val="0000FF"/>
                 </a:solidFill>
@@ -7997,7 +7662,7 @@
               <a:t>polygamma</a:t>
             </a:r>
             <a:r>
-              <a:rPr lang="en-US" sz="2000" dirty="0" smtClean="0">
+              <a:rPr lang="en-US" sz="2000" dirty="0">
                 <a:solidFill>
                   <a:srgbClr val="0000FF"/>
                 </a:solidFill>
@@ -8005,31 +7670,31 @@
               <a:t>(m, z) </a:t>
             </a:r>
             <a:r>
-              <a:rPr lang="en-US" sz="2000" dirty="0" smtClean="0"/>
+              <a:rPr lang="en-US" sz="2000" dirty="0"/>
               <a:t>[ = (m+1)</a:t>
             </a:r>
             <a:r>
-              <a:rPr lang="en-US" sz="2000" baseline="30000" dirty="0" err="1" smtClean="0"/>
+              <a:rPr lang="en-US" sz="2000" baseline="30000" dirty="0" err="1"/>
               <a:t>th</a:t>
             </a:r>
             <a:r>
-              <a:rPr lang="en-US" sz="2000" dirty="0" smtClean="0"/>
+              <a:rPr lang="en-US" sz="2000" dirty="0"/>
               <a:t> derivative of the </a:t>
             </a:r>
             <a:r>
-              <a:rPr lang="en-US" sz="2000" dirty="0" err="1" smtClean="0"/>
+              <a:rPr lang="en-US" sz="2000" dirty="0" err="1"/>
               <a:t>ln</a:t>
             </a:r>
             <a:r>
-              <a:rPr lang="en-US" sz="2000" dirty="0" smtClean="0"/>
+              <a:rPr lang="en-US" sz="2000" dirty="0"/>
               <a:t> </a:t>
             </a:r>
             <a:r>
-              <a:rPr lang="el-GR" sz="2000" dirty="0" smtClean="0"/>
+              <a:rPr lang="el-GR" sz="2000" dirty="0"/>
               <a:t>Γ</a:t>
             </a:r>
             <a:r>
-              <a:rPr lang="en-US" sz="2000" dirty="0" smtClean="0"/>
+              <a:rPr lang="en-US" sz="2000" dirty="0"/>
               <a:t> function ]</a:t>
             </a:r>
           </a:p>
@@ -8040,15 +7705,15 @@
                   <a:srgbClr val="FF0000"/>
                 </a:solidFill>
               </a:rPr>
-              <a:t>	 </a:t>
-            </a:r>
-            <a:r>
-              <a:rPr lang="en-US" sz="2000" dirty="0" smtClean="0">
+              <a:t>	     ~ 2× faster than </a:t>
+            </a:r>
+            <a:r>
+              <a:rPr lang="en-US" sz="2000" dirty="0" err="1">
                 <a:solidFill>
                   <a:srgbClr val="FF0000"/>
                 </a:solidFill>
               </a:rPr>
-              <a:t>    ~ 2× </a:t>
+              <a:t>SciPy’s</a:t>
             </a:r>
             <a:r>
               <a:rPr lang="en-US" sz="2000" dirty="0">
@@ -8056,69 +7721,49 @@
                   <a:srgbClr val="FF0000"/>
                 </a:solidFill>
               </a:rPr>
-              <a:t>faster than </a:t>
-            </a:r>
-            <a:r>
-              <a:rPr lang="en-US" sz="2000" dirty="0" err="1">
-                <a:solidFill>
-                  <a:srgbClr val="FF0000"/>
-                </a:solidFill>
-              </a:rPr>
-              <a:t>SciPy’s</a:t>
-            </a:r>
-            <a:r>
-              <a:rPr lang="en-US" sz="2000" dirty="0">
-                <a:solidFill>
-                  <a:srgbClr val="FF0000"/>
-                </a:solidFill>
-              </a:rPr>
               <a:t> </a:t>
             </a:r>
             <a:r>
-              <a:rPr lang="en-US" sz="2000" dirty="0" smtClean="0"/>
+              <a:rPr lang="en-US" sz="2000" dirty="0"/>
               <a:t>(C/Fortran) for real </a:t>
             </a:r>
             <a:r>
               <a:rPr lang="en-US" sz="2000" i="1" dirty="0"/>
               <a:t>z</a:t>
             </a:r>
-            <a:endParaRPr lang="en-US" sz="2000" dirty="0" smtClean="0"/>
-          </a:p>
-          <a:p>
+            <a:endParaRPr lang="en-US" sz="2000" dirty="0"/>
+          </a:p>
+          <a:p>
+            <a:r>
+              <a:rPr lang="en-US" sz="2000" dirty="0"/>
+              <a:t>                        … and unlike </a:t>
+            </a:r>
+            <a:r>
+              <a:rPr lang="en-US" sz="2000" dirty="0" err="1"/>
+              <a:t>SciPy’s</a:t>
+            </a:r>
+            <a:r>
+              <a:rPr lang="en-US" sz="2000" dirty="0"/>
+              <a:t>, </a:t>
+            </a:r>
+            <a:r>
+              <a:rPr lang="en-US" sz="2000" i="1" dirty="0"/>
+              <a:t>same</a:t>
+            </a:r>
             <a:r>
               <a:rPr lang="en-US" sz="2000" dirty="0"/>
               <a:t> </a:t>
             </a:r>
             <a:r>
-              <a:rPr lang="en-US" sz="2000" dirty="0" smtClean="0"/>
-              <a:t>                       … and unlike </a:t>
-            </a:r>
-            <a:r>
-              <a:rPr lang="en-US" sz="2000" dirty="0" err="1" smtClean="0"/>
-              <a:t>SciPy’s</a:t>
-            </a:r>
-            <a:r>
-              <a:rPr lang="en-US" sz="2000" dirty="0" smtClean="0"/>
-              <a:t>, </a:t>
-            </a:r>
-            <a:r>
-              <a:rPr lang="en-US" sz="2000" i="1" dirty="0" smtClean="0"/>
-              <a:t>same</a:t>
-            </a:r>
-            <a:r>
-              <a:rPr lang="en-US" sz="2000" dirty="0" smtClean="0"/>
-              <a:t> </a:t>
-            </a:r>
-            <a:r>
-              <a:rPr lang="en-US" sz="2000" i="1" dirty="0" smtClean="0"/>
+              <a:rPr lang="en-US" sz="2000" i="1" dirty="0"/>
               <a:t>code</a:t>
             </a:r>
             <a:r>
-              <a:rPr lang="en-US" sz="2000" dirty="0" smtClean="0"/>
+              <a:rPr lang="en-US" sz="2000" dirty="0"/>
               <a:t> supports complex argument </a:t>
             </a:r>
             <a:r>
-              <a:rPr lang="en-US" sz="2000" i="1" dirty="0" smtClean="0"/>
+              <a:rPr lang="en-US" sz="2000" i="1" dirty="0"/>
               <a:t>z</a:t>
             </a:r>
             <a:endParaRPr lang="en-US" sz="2000" dirty="0"/>
@@ -8154,11 +7799,11 @@
           <a:p>
             <a:pPr algn="ctr"/>
             <a:r>
-              <a:rPr lang="en-US" sz="2800" dirty="0" smtClean="0"/>
+              <a:rPr lang="en-US" sz="2800" dirty="0"/>
               <a:t>Julia code can actually be </a:t>
             </a:r>
             <a:r>
-              <a:rPr lang="en-US" sz="2800" dirty="0" smtClean="0">
+              <a:rPr lang="en-US" sz="2800" dirty="0">
                 <a:solidFill>
                   <a:srgbClr val="0000FF"/>
                 </a:solidFill>
@@ -8166,18 +7811,18 @@
               <a:t>faster</a:t>
             </a:r>
             <a:r>
-              <a:rPr lang="en-US" sz="2800" dirty="0" smtClean="0"/>
+              <a:rPr lang="en-US" sz="2800" dirty="0"/>
               <a:t> than typical “optimized”</a:t>
             </a:r>
           </a:p>
           <a:p>
             <a:pPr algn="ctr"/>
             <a:r>
-              <a:rPr lang="en-US" sz="2800" dirty="0" smtClean="0"/>
+              <a:rPr lang="en-US" sz="2800" dirty="0"/>
               <a:t>C/Fortran code, by using </a:t>
             </a:r>
             <a:r>
-              <a:rPr lang="en-US" sz="2800" dirty="0" smtClean="0">
+              <a:rPr lang="en-US" sz="2800" dirty="0">
                 <a:solidFill>
                   <a:srgbClr val="0000FF"/>
                 </a:solidFill>
@@ -8185,19 +7830,19 @@
               <a:t>techniques </a:t>
             </a:r>
             <a:r>
-              <a:rPr lang="en-US" sz="2800" dirty="0" smtClean="0"/>
+              <a:rPr lang="en-US" sz="2800" dirty="0"/>
               <a:t>[</a:t>
             </a:r>
             <a:r>
-              <a:rPr lang="en-US" sz="2800" dirty="0" err="1" smtClean="0"/>
+              <a:rPr lang="en-US" sz="2800" dirty="0" err="1"/>
               <a:t>metaprogramming</a:t>
             </a:r>
             <a:r>
-              <a:rPr lang="en-US" sz="2800" dirty="0" smtClean="0"/>
+              <a:rPr lang="en-US" sz="2800" dirty="0"/>
               <a:t>/</a:t>
             </a:r>
             <a:r>
-              <a:rPr lang="en-US" sz="2800" dirty="0" err="1" smtClean="0">
+              <a:rPr lang="en-US" sz="2800" dirty="0" err="1">
                 <a:solidFill>
                   <a:srgbClr val="0000FF"/>
                 </a:solidFill>
@@ -8205,7 +7850,7 @@
               <a:t>codegen</a:t>
             </a:r>
             <a:r>
-              <a:rPr lang="en-US" sz="2800" dirty="0" smtClean="0">
+              <a:rPr lang="en-US" sz="2800" dirty="0">
                 <a:solidFill>
                   <a:srgbClr val="0000FF"/>
                 </a:solidFill>
@@ -8213,41 +7858,24 @@
               <a:t> generation</a:t>
             </a:r>
             <a:r>
-              <a:rPr lang="en-US" sz="2800" dirty="0" smtClean="0"/>
-              <a:t>] </a:t>
-            </a:r>
-            <a:r>
-              <a:rPr lang="en-US" sz="2800" dirty="0" smtClean="0"/>
-              <a:t>that </a:t>
-            </a:r>
-            <a:r>
-              <a:rPr lang="en-US" sz="2800" dirty="0" smtClean="0"/>
-              <a:t>are</a:t>
+              <a:rPr lang="en-US" sz="2800" dirty="0"/>
+              <a:t>] that are</a:t>
             </a:r>
           </a:p>
           <a:p>
             <a:pPr algn="ctr"/>
             <a:r>
-              <a:rPr lang="en-US" sz="2800" dirty="0" smtClean="0">
+              <a:rPr lang="en-US" sz="2800" dirty="0">
                 <a:solidFill>
                   <a:srgbClr val="0000FF"/>
                 </a:solidFill>
               </a:rPr>
-              <a:t>hard in a </a:t>
-            </a:r>
-            <a:r>
-              <a:rPr lang="en-US" sz="2800" dirty="0" smtClean="0">
-                <a:solidFill>
-                  <a:srgbClr val="0000FF"/>
-                </a:solidFill>
-              </a:rPr>
-              <a:t>low-level language</a:t>
-            </a:r>
-            <a:r>
-              <a:rPr lang="en-US" sz="2800" dirty="0" smtClean="0"/>
+              <a:t>hard in a low-level language</a:t>
+            </a:r>
+            <a:r>
+              <a:rPr lang="en-US" sz="2800" dirty="0"/>
               <a:t>.</a:t>
             </a:r>
-            <a:endParaRPr lang="en-US" sz="2800" dirty="0"/>
           </a:p>
         </p:txBody>
       </p:sp>
@@ -8380,7 +8008,7 @@
           <a:lstStyle/>
           <a:p>
             <a:r>
-              <a:rPr lang="en-US" dirty="0" smtClean="0">
+              <a:rPr lang="en-US" dirty="0">
                 <a:solidFill>
                   <a:srgbClr val="FF0000"/>
                 </a:solidFill>
@@ -8388,10 +8016,9 @@
               <a:t>Pure-Julia FFT </a:t>
             </a:r>
             <a:r>
-              <a:rPr lang="en-US" dirty="0" smtClean="0"/>
+              <a:rPr lang="en-US" dirty="0"/>
               <a:t>performance</a:t>
             </a:r>
-            <a:endParaRPr lang="en-US" dirty="0"/>
           </a:p>
         </p:txBody>
       </p:sp>
@@ -8486,7 +8113,7 @@
           <a:lstStyle/>
           <a:p>
             <a:r>
-              <a:rPr lang="en-US" dirty="0" smtClean="0">
+              <a:rPr lang="en-US" dirty="0">
                 <a:solidFill>
                   <a:srgbClr val="FF0000"/>
                 </a:solidFill>
@@ -8495,29 +8122,25 @@
             </a:r>
           </a:p>
           <a:p>
-            <a:endParaRPr lang="en-US" dirty="0" smtClean="0"/>
-          </a:p>
-          <a:p>
-            <a:r>
-              <a:rPr lang="en-US" dirty="0" smtClean="0"/>
+            <a:endParaRPr lang="en-US" dirty="0"/>
+          </a:p>
+          <a:p>
+            <a:r>
+              <a:rPr lang="en-US" dirty="0"/>
               <a:t>[ probably some tweaks to</a:t>
             </a:r>
           </a:p>
           <a:p>
             <a:r>
               <a:rPr lang="en-US" dirty="0"/>
-              <a:t> </a:t>
-            </a:r>
-            <a:r>
-              <a:rPr lang="en-US" dirty="0" smtClean="0"/>
-              <a:t>  </a:t>
-            </a:r>
-            <a:r>
-              <a:rPr lang="en-US" dirty="0" err="1" smtClean="0"/>
+              <a:t>   </a:t>
+            </a:r>
+            <a:r>
+              <a:rPr lang="en-US" dirty="0" err="1"/>
               <a:t>inlining</a:t>
             </a:r>
             <a:r>
-              <a:rPr lang="en-US" dirty="0" smtClean="0"/>
+              <a:rPr lang="en-US" dirty="0"/>
               <a:t> will make it better ]</a:t>
             </a:r>
           </a:p>
@@ -8545,7 +8168,7 @@
           <a:lstStyle/>
           <a:p>
             <a:r>
-              <a:rPr lang="en-US" dirty="0" smtClean="0">
+              <a:rPr lang="en-US" dirty="0">
                 <a:solidFill>
                   <a:srgbClr val="0000FF"/>
                 </a:solidFill>
@@ -8553,21 +8176,17 @@
               <a:t>FFTW 1.0-like </a:t>
             </a:r>
             <a:r>
-              <a:rPr lang="en-US" dirty="0" smtClean="0"/>
+              <a:rPr lang="en-US" dirty="0"/>
               <a:t>code generation</a:t>
             </a:r>
           </a:p>
           <a:p>
             <a:r>
               <a:rPr lang="en-US" dirty="0"/>
-              <a:t> </a:t>
-            </a:r>
-            <a:r>
-              <a:rPr lang="en-US" dirty="0" smtClean="0"/>
-              <a:t>      + recursion in </a:t>
-            </a:r>
-            <a:r>
-              <a:rPr lang="en-US" dirty="0" smtClean="0">
+              <a:t>       + recursion in </a:t>
+            </a:r>
+            <a:r>
+              <a:rPr lang="en-US" dirty="0">
                 <a:solidFill>
                   <a:srgbClr val="0000FF"/>
                 </a:solidFill>
@@ -8577,7 +8196,7 @@
           </a:p>
           <a:p>
             <a:r>
-              <a:rPr lang="en-US" dirty="0" smtClean="0"/>
+              <a:rPr lang="en-US" dirty="0"/>
               <a:t>~ </a:t>
             </a:r>
             <a:r>
@@ -8608,13 +8227,8 @@
             </a:r>
             <a:r>
               <a:rPr lang="en-US" dirty="0"/>
-              <a:t>, more </a:t>
-            </a:r>
-            <a:r>
-              <a:rPr lang="en-US" dirty="0" smtClean="0"/>
-              <a:t>functionality</a:t>
-            </a:r>
-            <a:endParaRPr lang="en-US" dirty="0"/>
+              <a:t>, more functionality</a:t>
+            </a:r>
           </a:p>
         </p:txBody>
       </p:sp>
@@ -8642,11 +8256,11 @@
           <a:p>
             <a:pPr algn="ctr"/>
             <a:r>
-              <a:rPr lang="en-US" dirty="0" smtClean="0"/>
+              <a:rPr lang="en-US" dirty="0"/>
               <a:t>(</a:t>
             </a:r>
             <a:r>
-              <a:rPr lang="en-US" dirty="0" smtClean="0">
+              <a:rPr lang="en-US" dirty="0">
                 <a:solidFill>
                   <a:srgbClr val="0000FF"/>
                 </a:solidFill>
@@ -8654,10 +8268,9 @@
               <a:t>FFTW</a:t>
             </a:r>
             <a:r>
-              <a:rPr lang="en-US" dirty="0" smtClean="0"/>
+              <a:rPr lang="en-US" dirty="0"/>
               <a:t>, MKL: “unfair” factor of ~2 from manual SIMD)</a:t>
             </a:r>
-            <a:endParaRPr lang="en-US" dirty="0"/>
           </a:p>
         </p:txBody>
       </p:sp>
@@ -8684,18 +8297,13 @@
           <a:lstStyle/>
           <a:p>
             <a:r>
-              <a:rPr lang="en-US" dirty="0" smtClean="0">
+              <a:rPr lang="en-US" dirty="0">
                 <a:solidFill>
                   <a:srgbClr val="FF0000"/>
                 </a:solidFill>
               </a:rPr>
               <a:t>Julia</a:t>
             </a:r>
-            <a:endParaRPr lang="en-US" dirty="0">
-              <a:solidFill>
-                <a:srgbClr val="FF0000"/>
-              </a:solidFill>
-            </a:endParaRPr>
           </a:p>
         </p:txBody>
       </p:sp>
@@ -8722,7 +8330,7 @@
           <a:lstStyle/>
           <a:p>
             <a:r>
-              <a:rPr lang="en-US" sz="1200" dirty="0" smtClean="0">
+              <a:rPr lang="en-US" sz="1200" dirty="0">
                 <a:solidFill>
                   <a:schemeClr val="bg2">
                     <a:lumMod val="50000"/>
@@ -8731,13 +8339,6 @@
               </a:rPr>
               <a:t>FFTPACK</a:t>
             </a:r>
-            <a:endParaRPr lang="en-US" sz="1200" dirty="0">
-              <a:solidFill>
-                <a:schemeClr val="bg2">
-                  <a:lumMod val="50000"/>
-                </a:schemeClr>
-              </a:solidFill>
-            </a:endParaRPr>
           </a:p>
         </p:txBody>
       </p:sp>
@@ -8764,18 +8365,13 @@
           <a:lstStyle/>
           <a:p>
             <a:r>
-              <a:rPr lang="en-US" sz="1200" dirty="0" smtClean="0">
+              <a:rPr lang="en-US" sz="1200" dirty="0">
                 <a:solidFill>
                   <a:srgbClr val="0000FF"/>
                 </a:solidFill>
               </a:rPr>
               <a:t>FFTW w/o SIMD</a:t>
             </a:r>
-            <a:endParaRPr lang="en-US" sz="1200" dirty="0">
-              <a:solidFill>
-                <a:srgbClr val="0000FF"/>
-              </a:solidFill>
-            </a:endParaRPr>
           </a:p>
         </p:txBody>
       </p:sp>
@@ -8789,13 +8385,6 @@
   <p:clrMapOvr>
     <a:masterClrMapping/>
   </p:clrMapOvr>
-  <p:timing>
-    <p:tnLst>
-      <p:par>
-        <p:cTn id="1" dur="indefinite" restart="never" nodeType="tmRoot"/>
-      </p:par>
-    </p:tnLst>
-  </p:timing>
 </p:sld>
 </file>
 
@@ -8839,18 +8428,17 @@
           <a:lstStyle/>
           <a:p>
             <a:r>
-              <a:rPr lang="en-US" dirty="0" smtClean="0"/>
+              <a:rPr lang="en-US" dirty="0"/>
               <a:t>Generating </a:t>
             </a:r>
             <a:r>
-              <a:rPr lang="en-US" dirty="0" err="1" smtClean="0"/>
+              <a:rPr lang="en-US" dirty="0" err="1"/>
               <a:t>Vandermonde</a:t>
             </a:r>
             <a:r>
-              <a:rPr lang="en-US" dirty="0" smtClean="0"/>
+              <a:rPr lang="en-US" dirty="0"/>
               <a:t> matrices</a:t>
             </a:r>
-            <a:endParaRPr lang="en-US" dirty="0"/>
           </a:p>
         </p:txBody>
       </p:sp>
@@ -8901,11 +8489,11 @@
           <a:lstStyle/>
           <a:p>
             <a:r>
-              <a:rPr lang="en-US" sz="2400" dirty="0" smtClean="0"/>
+              <a:rPr lang="en-US" sz="2400" dirty="0"/>
               <a:t>given </a:t>
             </a:r>
             <a:r>
-              <a:rPr lang="en-US" sz="2400" dirty="0" smtClean="0">
+              <a:rPr lang="en-US" sz="2400" dirty="0">
                 <a:solidFill>
                   <a:srgbClr val="0000FF"/>
                 </a:solidFill>
@@ -8913,7 +8501,7 @@
               <a:t>x = [</a:t>
             </a:r>
             <a:r>
-              <a:rPr lang="el-GR" sz="2400" dirty="0" smtClean="0">
+              <a:rPr lang="el-GR" sz="2400" dirty="0">
                 <a:solidFill>
                   <a:srgbClr val="0000FF"/>
                 </a:solidFill>
@@ -8921,7 +8509,7 @@
               <a:t>α</a:t>
             </a:r>
             <a:r>
-              <a:rPr lang="en-US" sz="2400" baseline="-25000" dirty="0" smtClean="0">
+              <a:rPr lang="en-US" sz="2400" baseline="-25000" dirty="0">
                 <a:solidFill>
                   <a:srgbClr val="0000FF"/>
                 </a:solidFill>
@@ -8929,7 +8517,7 @@
               <a:t>1</a:t>
             </a:r>
             <a:r>
-              <a:rPr lang="en-US" sz="2400" dirty="0" smtClean="0">
+              <a:rPr lang="en-US" sz="2400" dirty="0">
                 <a:solidFill>
                   <a:srgbClr val="0000FF"/>
                 </a:solidFill>
@@ -8937,7 +8525,7 @@
               <a:t>, </a:t>
             </a:r>
             <a:r>
-              <a:rPr lang="el-GR" sz="2400" dirty="0" smtClean="0">
+              <a:rPr lang="el-GR" sz="2400" dirty="0">
                 <a:solidFill>
                   <a:srgbClr val="0000FF"/>
                 </a:solidFill>
@@ -8945,7 +8533,7 @@
               <a:t>α</a:t>
             </a:r>
             <a:r>
-              <a:rPr lang="en-US" sz="2400" baseline="-25000" dirty="0" smtClean="0">
+              <a:rPr lang="en-US" sz="2400" baseline="-25000" dirty="0">
                 <a:solidFill>
                   <a:srgbClr val="0000FF"/>
                 </a:solidFill>
@@ -8953,7 +8541,7 @@
               <a:t>2</a:t>
             </a:r>
             <a:r>
-              <a:rPr lang="en-US" sz="2400" dirty="0" smtClean="0">
+              <a:rPr lang="en-US" sz="2400" dirty="0">
                 <a:solidFill>
                   <a:srgbClr val="0000FF"/>
                 </a:solidFill>
@@ -8961,10 +8549,9 @@
               <a:t>, …]</a:t>
             </a:r>
             <a:r>
-              <a:rPr lang="en-US" sz="2400" dirty="0" smtClean="0"/>
+              <a:rPr lang="en-US" sz="2400" dirty="0"/>
               <a:t>, generate:</a:t>
             </a:r>
-            <a:endParaRPr lang="en-US" sz="2400" dirty="0"/>
           </a:p>
         </p:txBody>
       </p:sp>
@@ -8990,7 +8577,7 @@
           <a:lstStyle/>
           <a:p>
             <a:r>
-              <a:rPr lang="en-US" sz="2000" dirty="0" err="1" smtClean="0">
+              <a:rPr lang="en-US" sz="2000" dirty="0" err="1">
                 <a:solidFill>
                   <a:srgbClr val="FF0000"/>
                 </a:solidFill>
@@ -8998,7 +8585,7 @@
               <a:t>NumPy</a:t>
             </a:r>
             <a:r>
-              <a:rPr lang="en-US" sz="2000" dirty="0" smtClean="0">
+              <a:rPr lang="en-US" sz="2000" dirty="0">
                 <a:solidFill>
                   <a:srgbClr val="FF0000"/>
                 </a:solidFill>
@@ -9006,7 +8593,7 @@
               <a:t> </a:t>
             </a:r>
             <a:r>
-              <a:rPr lang="en-US" dirty="0" smtClean="0">
+              <a:rPr lang="en-US" dirty="0">
                 <a:solidFill>
                   <a:srgbClr val="FF0000"/>
                 </a:solidFill>
@@ -9014,7 +8601,7 @@
               <a:t>(</a:t>
             </a:r>
             <a:r>
-              <a:rPr lang="en-US" sz="1600" dirty="0" err="1" smtClean="0">
+              <a:rPr lang="en-US" sz="1600" dirty="0" err="1">
                 <a:solidFill>
                   <a:srgbClr val="FF0000"/>
                 </a:solidFill>
@@ -9024,7 +8611,7 @@
               <a:t>numpy.vander</a:t>
             </a:r>
             <a:r>
-              <a:rPr lang="en-US" dirty="0" smtClean="0">
+              <a:rPr lang="en-US" dirty="0">
                 <a:solidFill>
                   <a:srgbClr val="FF0000"/>
                 </a:solidFill>
@@ -9037,68 +8624,63 @@
             </a:r>
           </a:p>
           <a:p>
-            <a:endParaRPr lang="en-US" dirty="0" smtClean="0">
+            <a:endParaRPr lang="en-US" dirty="0">
               <a:solidFill>
                 <a:srgbClr val="FF0000"/>
               </a:solidFill>
             </a:endParaRPr>
           </a:p>
           <a:p>
-            <a:endParaRPr lang="en-US" dirty="0" smtClean="0"/>
-          </a:p>
-          <a:p>
-            <a:r>
-              <a:rPr lang="en-US" dirty="0" smtClean="0"/>
+            <a:endParaRPr lang="en-US" dirty="0"/>
+          </a:p>
+          <a:p>
+            <a:r>
+              <a:rPr lang="en-US" dirty="0"/>
               <a:t>        </a:t>
             </a:r>
             <a:r>
-              <a:rPr lang="en-US" dirty="0" smtClean="0">
+              <a:rPr lang="en-US" dirty="0">
                 <a:hlinkClick r:id="rId3"/>
               </a:rPr>
               <a:t> Python code </a:t>
             </a:r>
             <a:r>
               <a:rPr lang="en-US" dirty="0"/>
-              <a:t> </a:t>
-            </a:r>
-            <a:r>
-              <a:rPr lang="en-US" dirty="0" smtClean="0"/>
-              <a:t>…wraps </a:t>
-            </a:r>
-            <a:r>
-              <a:rPr lang="en-US" dirty="0" smtClean="0">
+              <a:t> …wraps </a:t>
+            </a:r>
+            <a:r>
+              <a:rPr lang="en-US" dirty="0">
                 <a:hlinkClick r:id="rId4"/>
               </a:rPr>
               <a:t>C code </a:t>
             </a:r>
-            <a:endParaRPr lang="en-US" dirty="0" smtClean="0"/>
-          </a:p>
-          <a:p>
-            <a:r>
-              <a:rPr lang="en-US" dirty="0" smtClean="0"/>
+            <a:endParaRPr lang="en-US" dirty="0"/>
+          </a:p>
+          <a:p>
+            <a:r>
+              <a:rPr lang="en-US" dirty="0"/>
               <a:t>         … wraps </a:t>
             </a:r>
             <a:r>
-              <a:rPr lang="en-US" dirty="0" smtClean="0">
+              <a:rPr lang="en-US" dirty="0">
                 <a:hlinkClick r:id="rId5"/>
               </a:rPr>
               <a:t>generated C code</a:t>
             </a:r>
-            <a:endParaRPr lang="en-US" dirty="0" smtClean="0"/>
-          </a:p>
-          <a:p>
-            <a:endParaRPr lang="en-US" dirty="0" smtClean="0"/>
-          </a:p>
-          <a:p>
-            <a:r>
-              <a:rPr lang="en-US" dirty="0" smtClean="0"/>
+            <a:endParaRPr lang="en-US" dirty="0"/>
+          </a:p>
+          <a:p>
+            <a:endParaRPr lang="en-US" dirty="0"/>
+          </a:p>
+          <a:p>
+            <a:r>
+              <a:rPr lang="en-US" dirty="0"/>
               <a:t>type-generic at high-level, but</a:t>
             </a:r>
-            <a:endParaRPr lang="en-US" dirty="0"/>
-          </a:p>
-          <a:p>
-            <a:r>
-              <a:rPr lang="en-US" dirty="0" smtClean="0"/>
+          </a:p>
+          <a:p>
+            <a:r>
+              <a:rPr lang="en-US" dirty="0"/>
               <a:t>low level limited to small set of types.</a:t>
             </a:r>
           </a:p>
@@ -9127,11 +8709,11 @@
           <a:lstStyle/>
           <a:p>
             <a:r>
-              <a:rPr lang="en-US" sz="2400" dirty="0" smtClean="0"/>
+              <a:rPr lang="en-US" sz="2400" dirty="0"/>
               <a:t>Writing fast code </a:t>
             </a:r>
             <a:r>
-              <a:rPr lang="en-US" sz="2400" dirty="0" smtClean="0">
+              <a:rPr lang="en-US" sz="2400" dirty="0">
                 <a:solidFill>
                   <a:srgbClr val="0000FF"/>
                 </a:solidFill>
@@ -9139,19 +8721,19 @@
               <a:t>“in” </a:t>
             </a:r>
             <a:r>
-              <a:rPr lang="en-US" sz="2400" dirty="0" smtClean="0"/>
+              <a:rPr lang="en-US" sz="2400" dirty="0"/>
               <a:t>Python or </a:t>
             </a:r>
             <a:r>
-              <a:rPr lang="en-US" sz="2400" dirty="0" err="1" smtClean="0"/>
+              <a:rPr lang="en-US" sz="2400" dirty="0" err="1"/>
               <a:t>Matlab</a:t>
             </a:r>
             <a:r>
-              <a:rPr lang="en-US" sz="2400" dirty="0" smtClean="0"/>
+              <a:rPr lang="en-US" sz="2400" dirty="0"/>
               <a:t> = </a:t>
             </a:r>
             <a:r>
-              <a:rPr lang="en-US" sz="2400" dirty="0" smtClean="0">
+              <a:rPr lang="en-US" sz="2400" dirty="0">
                 <a:solidFill>
                   <a:srgbClr val="0000FF"/>
                 </a:solidFill>
@@ -9161,7 +8743,7 @@
           </a:p>
           <a:p>
             <a:r>
-              <a:rPr lang="en-US" sz="2400" dirty="0" smtClean="0"/>
+              <a:rPr lang="en-US" sz="2400" dirty="0"/>
               <a:t>for pre-written functions (implemented in C or Fortran).</a:t>
             </a:r>
           </a:p>
@@ -9170,25 +8752,25 @@
           </a:p>
           <a:p>
             <a:r>
-              <a:rPr lang="en-US" sz="2400" dirty="0" smtClean="0"/>
+              <a:rPr lang="en-US" sz="2400" dirty="0"/>
               <a:t>If the problem doesn’t “</a:t>
             </a:r>
             <a:r>
-              <a:rPr lang="en-US" sz="2400" dirty="0" err="1" smtClean="0"/>
+              <a:rPr lang="en-US" sz="2400" dirty="0" err="1"/>
               <a:t>vectorize</a:t>
             </a:r>
             <a:r>
-              <a:rPr lang="en-US" sz="2400" dirty="0" smtClean="0"/>
+              <a:rPr lang="en-US" sz="2400" dirty="0"/>
               <a:t>” into built-in functions,</a:t>
             </a:r>
           </a:p>
           <a:p>
             <a:r>
-              <a:rPr lang="en-US" sz="2400" dirty="0" smtClean="0"/>
+              <a:rPr lang="en-US" sz="2400" dirty="0"/>
               <a:t>if you have to write your </a:t>
             </a:r>
             <a:r>
-              <a:rPr lang="en-US" sz="2400" dirty="0" smtClean="0">
+              <a:rPr lang="en-US" sz="2400" dirty="0">
                 <a:solidFill>
                   <a:srgbClr val="0000FF"/>
                 </a:solidFill>
@@ -9196,11 +8778,11 @@
               <a:t>own inner loops </a:t>
             </a:r>
             <a:r>
-              <a:rPr lang="en-US" sz="2400" dirty="0" smtClean="0"/>
+              <a:rPr lang="en-US" sz="2400" dirty="0"/>
               <a:t>… </a:t>
             </a:r>
             <a:r>
-              <a:rPr lang="en-US" sz="2400" dirty="0" smtClean="0">
+              <a:rPr lang="en-US" sz="2400" dirty="0">
                 <a:solidFill>
                   <a:srgbClr val="0000FF"/>
                 </a:solidFill>
@@ -9208,14 +8790,9 @@
               <a:t>sucks</a:t>
             </a:r>
             <a:r>
-              <a:rPr lang="en-US" sz="2400" dirty="0" smtClean="0"/>
-              <a:t> for you</a:t>
-            </a:r>
-            <a:r>
               <a:rPr lang="en-US" sz="2400" dirty="0"/>
-              <a:t>.</a:t>
-            </a:r>
-            <a:endParaRPr lang="en-US" sz="2400" dirty="0" smtClean="0"/>
+              <a:t> for you.</a:t>
+            </a:r>
           </a:p>
         </p:txBody>
       </p:sp>
@@ -9229,13 +8806,6 @@
   <p:clrMapOvr>
     <a:masterClrMapping/>
   </p:clrMapOvr>
-  <p:timing>
-    <p:tnLst>
-      <p:par>
-        <p:cTn id="1" dur="indefinite" restart="never" nodeType="tmRoot"/>
-      </p:par>
-    </p:tnLst>
-  </p:timing>
 </p:sld>
 </file>
 

--- a/julia/Julia-intro.pptx
+++ b/julia/Julia-intro.pptx
@@ -224,7 +224,7 @@
           <a:p>
             <a:fld id="{1F1F7F9C-49D3-454E-9B8D-9A9D1603A87C}" type="datetimeFigureOut">
               <a:rPr lang="en-US" smtClean="0"/>
-              <a:t>9/7/18</a:t>
+              <a:t>12/6/18</a:t>
             </a:fld>
             <a:endParaRPr lang="en-US"/>
           </a:p>
@@ -754,7 +754,7 @@
           <a:p>
             <a:fld id="{09D0395C-8A5B-CA45-A966-25AB2CC68A80}" type="datetimeFigureOut">
               <a:rPr lang="en-US" smtClean="0"/>
-              <a:t>9/7/18</a:t>
+              <a:t>12/6/18</a:t>
             </a:fld>
             <a:endParaRPr lang="en-US"/>
           </a:p>
@@ -922,7 +922,7 @@
           <a:p>
             <a:fld id="{09D0395C-8A5B-CA45-A966-25AB2CC68A80}" type="datetimeFigureOut">
               <a:rPr lang="en-US" smtClean="0"/>
-              <a:t>9/7/18</a:t>
+              <a:t>12/6/18</a:t>
             </a:fld>
             <a:endParaRPr lang="en-US"/>
           </a:p>
@@ -1100,7 +1100,7 @@
           <a:p>
             <a:fld id="{09D0395C-8A5B-CA45-A966-25AB2CC68A80}" type="datetimeFigureOut">
               <a:rPr lang="en-US" smtClean="0"/>
-              <a:t>9/7/18</a:t>
+              <a:t>12/6/18</a:t>
             </a:fld>
             <a:endParaRPr lang="en-US"/>
           </a:p>
@@ -1268,7 +1268,7 @@
           <a:p>
             <a:fld id="{09D0395C-8A5B-CA45-A966-25AB2CC68A80}" type="datetimeFigureOut">
               <a:rPr lang="en-US" smtClean="0"/>
-              <a:t>9/7/18</a:t>
+              <a:t>12/6/18</a:t>
             </a:fld>
             <a:endParaRPr lang="en-US"/>
           </a:p>
@@ -1513,7 +1513,7 @@
           <a:p>
             <a:fld id="{09D0395C-8A5B-CA45-A966-25AB2CC68A80}" type="datetimeFigureOut">
               <a:rPr lang="en-US" smtClean="0"/>
-              <a:t>9/7/18</a:t>
+              <a:t>12/6/18</a:t>
             </a:fld>
             <a:endParaRPr lang="en-US"/>
           </a:p>
@@ -1798,7 +1798,7 @@
           <a:p>
             <a:fld id="{09D0395C-8A5B-CA45-A966-25AB2CC68A80}" type="datetimeFigureOut">
               <a:rPr lang="en-US" smtClean="0"/>
-              <a:t>9/7/18</a:t>
+              <a:t>12/6/18</a:t>
             </a:fld>
             <a:endParaRPr lang="en-US"/>
           </a:p>
@@ -2217,7 +2217,7 @@
           <a:p>
             <a:fld id="{09D0395C-8A5B-CA45-A966-25AB2CC68A80}" type="datetimeFigureOut">
               <a:rPr lang="en-US" smtClean="0"/>
-              <a:t>9/7/18</a:t>
+              <a:t>12/6/18</a:t>
             </a:fld>
             <a:endParaRPr lang="en-US"/>
           </a:p>
@@ -2334,7 +2334,7 @@
           <a:p>
             <a:fld id="{09D0395C-8A5B-CA45-A966-25AB2CC68A80}" type="datetimeFigureOut">
               <a:rPr lang="en-US" smtClean="0"/>
-              <a:t>9/7/18</a:t>
+              <a:t>12/6/18</a:t>
             </a:fld>
             <a:endParaRPr lang="en-US"/>
           </a:p>
@@ -2429,7 +2429,7 @@
           <a:p>
             <a:fld id="{09D0395C-8A5B-CA45-A966-25AB2CC68A80}" type="datetimeFigureOut">
               <a:rPr lang="en-US" smtClean="0"/>
-              <a:t>9/7/18</a:t>
+              <a:t>12/6/18</a:t>
             </a:fld>
             <a:endParaRPr lang="en-US"/>
           </a:p>
@@ -2704,7 +2704,7 @@
           <a:p>
             <a:fld id="{09D0395C-8A5B-CA45-A966-25AB2CC68A80}" type="datetimeFigureOut">
               <a:rPr lang="en-US" smtClean="0"/>
-              <a:t>9/7/18</a:t>
+              <a:t>12/6/18</a:t>
             </a:fld>
             <a:endParaRPr lang="en-US"/>
           </a:p>
@@ -2956,7 +2956,7 @@
           <a:p>
             <a:fld id="{09D0395C-8A5B-CA45-A966-25AB2CC68A80}" type="datetimeFigureOut">
               <a:rPr lang="en-US" smtClean="0"/>
-              <a:t>9/7/18</a:t>
+              <a:t>12/6/18</a:t>
             </a:fld>
             <a:endParaRPr lang="en-US"/>
           </a:p>
@@ -3167,7 +3167,7 @@
           <a:p>
             <a:fld id="{09D0395C-8A5B-CA45-A966-25AB2CC68A80}" type="datetimeFigureOut">
               <a:rPr lang="en-US" smtClean="0"/>
-              <a:t>9/7/18</a:t>
+              <a:t>12/6/18</a:t>
             </a:fld>
             <a:endParaRPr lang="en-US"/>
           </a:p>
@@ -4015,39 +4015,39 @@
                 <a:latin typeface="Monaco"/>
                 <a:cs typeface="Monaco"/>
               </a:rPr>
-              <a:t>{T}(x::</a:t>
+              <a:t>(x, n=length(x))</a:t>
+            </a:r>
+          </a:p>
+          <a:p>
+            <a:r>
+              <a:rPr lang="en-US" sz="1600" dirty="0">
+                <a:latin typeface="Monaco"/>
+                <a:cs typeface="Monaco"/>
+              </a:rPr>
+              <a:t>    m = length(x)</a:t>
+            </a:r>
+          </a:p>
+          <a:p>
+            <a:r>
+              <a:rPr lang="en-US" sz="1600" dirty="0">
+                <a:latin typeface="Monaco"/>
+                <a:cs typeface="Monaco"/>
+              </a:rPr>
+              <a:t>    V = Array(</a:t>
             </a:r>
             <a:r>
               <a:rPr lang="en-US" sz="1600" dirty="0" err="1">
                 <a:latin typeface="Monaco"/>
                 <a:cs typeface="Monaco"/>
               </a:rPr>
-              <a:t>AbstractVector</a:t>
+              <a:t>eltype</a:t>
             </a:r>
             <a:r>
               <a:rPr lang="en-US" sz="1600" dirty="0">
                 <a:latin typeface="Monaco"/>
                 <a:cs typeface="Monaco"/>
               </a:rPr>
-              <a:t>{T}, n=length(x))</a:t>
-            </a:r>
-          </a:p>
-          <a:p>
-            <a:r>
-              <a:rPr lang="en-US" sz="1600" dirty="0">
-                <a:latin typeface="Monaco"/>
-                <a:cs typeface="Monaco"/>
-              </a:rPr>
-              <a:t>    m = length(x)</a:t>
-            </a:r>
-          </a:p>
-          <a:p>
-            <a:r>
-              <a:rPr lang="en-US" sz="1600" dirty="0">
-                <a:latin typeface="Monaco"/>
-                <a:cs typeface="Monaco"/>
-              </a:rPr>
-              <a:t>    V = Array(T, m, n)</a:t>
+              <a:t>(x), m, n)</a:t>
             </a:r>
           </a:p>
           <a:p>
@@ -4358,39 +4358,46 @@
                 <a:latin typeface="Monaco"/>
                 <a:cs typeface="Monaco"/>
               </a:rPr>
-              <a:t>{T}(x::</a:t>
+              <a:t>(x, n=length(x))</a:t>
+            </a:r>
+          </a:p>
+          <a:p>
+            <a:r>
+              <a:rPr lang="en-US" sz="1400" dirty="0">
+                <a:latin typeface="Monaco"/>
+                <a:cs typeface="Monaco"/>
+              </a:rPr>
+              <a:t>    m = length(x)</a:t>
+            </a:r>
+          </a:p>
+          <a:p>
+            <a:r>
+              <a:rPr lang="en-US" sz="1400" dirty="0">
+                <a:latin typeface="Monaco"/>
+                <a:cs typeface="Monaco"/>
+              </a:rPr>
+              <a:t>    V = Array(</a:t>
             </a:r>
             <a:r>
               <a:rPr lang="en-US" sz="1400" dirty="0" err="1">
                 <a:latin typeface="Monaco"/>
                 <a:cs typeface="Monaco"/>
               </a:rPr>
-              <a:t>AbstractVector</a:t>
+              <a:t>eltype</a:t>
+            </a:r>
+            <a:r>
+              <a:rPr lang="en-US" sz="1400">
+                <a:latin typeface="Monaco"/>
+                <a:cs typeface="Monaco"/>
+              </a:rPr>
+              <a:t>(x), </a:t>
             </a:r>
             <a:r>
               <a:rPr lang="en-US" sz="1400" dirty="0">
                 <a:latin typeface="Monaco"/>
                 <a:cs typeface="Monaco"/>
               </a:rPr>
-              <a:t>{T}, n=length(x))</a:t>
-            </a:r>
-          </a:p>
-          <a:p>
-            <a:r>
-              <a:rPr lang="en-US" sz="1400" dirty="0">
-                <a:latin typeface="Monaco"/>
-                <a:cs typeface="Monaco"/>
-              </a:rPr>
-              <a:t>    m = length(x)</a:t>
-            </a:r>
-          </a:p>
-          <a:p>
-            <a:r>
-              <a:rPr lang="en-US" sz="1400" dirty="0">
-                <a:latin typeface="Monaco"/>
-                <a:cs typeface="Monaco"/>
-              </a:rPr>
-              <a:t>    V = Array(T, m, n)</a:t>
+              <a:t>m, n)</a:t>
             </a:r>
           </a:p>
           <a:p>
